--- a/docs/JavaIntro.pptx
+++ b/docs/JavaIntro.pptx
@@ -6,13 +6,14 @@
   </p:sldMasterIdLst>
   <p:sldIdLst>
     <p:sldId id="257" r:id="rId2"/>
-    <p:sldId id="256" r:id="rId3"/>
-    <p:sldId id="258" r:id="rId4"/>
-    <p:sldId id="259" r:id="rId5"/>
-    <p:sldId id="260" r:id="rId6"/>
-    <p:sldId id="261" r:id="rId7"/>
-    <p:sldId id="262" r:id="rId8"/>
-    <p:sldId id="263" r:id="rId9"/>
+    <p:sldId id="264" r:id="rId3"/>
+    <p:sldId id="256" r:id="rId4"/>
+    <p:sldId id="258" r:id="rId5"/>
+    <p:sldId id="259" r:id="rId6"/>
+    <p:sldId id="260" r:id="rId7"/>
+    <p:sldId id="261" r:id="rId8"/>
+    <p:sldId id="262" r:id="rId9"/>
+    <p:sldId id="263" r:id="rId10"/>
   </p:sldIdLst>
   <p:sldSz cx="12192000" cy="6858000"/>
   <p:notesSz cx="6858000" cy="9144000"/>
@@ -111,6 +112,11 @@
       </a:defRPr>
     </a:lvl9pPr>
   </p:defaultTextStyle>
+  <p:extLst>
+    <p:ext uri="{EFAFB233-063F-42B5-8137-9DF3F51BA10A}">
+      <p15:sldGuideLst xmlns:p15="http://schemas.microsoft.com/office/powerpoint/2012/main"/>
+    </p:ext>
+  </p:extLst>
 </p:presentation>
 </file>
 
@@ -4766,7 +4772,7 @@
         <p:spPr>
           <a:xfrm>
             <a:off x="285135" y="285135"/>
-            <a:ext cx="4321439" cy="769441"/>
+            <a:ext cx="4702249" cy="769441"/>
           </a:xfrm>
           <a:prstGeom prst="rect">
             <a:avLst/>
@@ -4781,17 +4787,17 @@
           <a:p>
             <a:r>
               <a:rPr lang="en-US" sz="4400" b="1" dirty="0"/>
-              <a:t>JavaScript History</a:t>
-            </a:r>
-          </a:p>
-        </p:txBody>
-      </p:sp>
-      <p:sp>
-        <p:nvSpPr>
-          <p:cNvPr id="5" name="TextBox 4">
-            <a:extLst>
-              <a:ext uri="{FF2B5EF4-FFF2-40B4-BE49-F238E27FC236}">
-                <a16:creationId xmlns:a16="http://schemas.microsoft.com/office/drawing/2014/main" id="{9D1AA65A-194D-3393-D60C-3C2BFC191816}"/>
+              <a:t>Types of Languages</a:t>
+            </a:r>
+          </a:p>
+        </p:txBody>
+      </p:sp>
+      <p:sp>
+        <p:nvSpPr>
+          <p:cNvPr id="21" name="TextBox 20">
+            <a:extLst>
+              <a:ext uri="{FF2B5EF4-FFF2-40B4-BE49-F238E27FC236}">
+                <a16:creationId xmlns:a16="http://schemas.microsoft.com/office/drawing/2014/main" id="{EEA10220-71E6-B1F7-82F4-1B82D6C6CDBB}"/>
               </a:ext>
             </a:extLst>
           </p:cNvPr>
@@ -4800,8 +4806,8 @@
         </p:nvSpPr>
         <p:spPr>
           <a:xfrm>
-            <a:off x="835741" y="1494503"/>
-            <a:ext cx="8893653" cy="1200329"/>
+            <a:off x="3165427" y="5370736"/>
+            <a:ext cx="1742721" cy="461665"/>
           </a:xfrm>
           <a:prstGeom prst="rect">
             <a:avLst/>
@@ -4814,102 +4820,284 @@
           </a:bodyPr>
           <a:lstStyle/>
           <a:p>
-            <a:pPr marL="342900" indent="-342900">
-              <a:buFont typeface="Arial" panose="020B0604020202020204" pitchFamily="34" charset="0"/>
-              <a:buChar char="•"/>
-            </a:pPr>
             <a:r>
               <a:rPr lang="en-US" sz="2400" dirty="0"/>
-              <a:t>1995 for Netscape 2 </a:t>
-            </a:r>
-          </a:p>
-          <a:p>
-            <a:pPr marL="342900" indent="-342900">
-              <a:buFont typeface="Arial" panose="020B0604020202020204" pitchFamily="34" charset="0"/>
-              <a:buChar char="•"/>
-            </a:pPr>
+              <a:t>Java/C# </a:t>
+            </a:r>
+            <a:r>
+              <a:rPr lang="en-US" sz="2400" dirty="0" err="1"/>
+              <a:t>.Net</a:t>
+            </a:r>
+            <a:endParaRPr lang="en-US" sz="2400" dirty="0"/>
+          </a:p>
+        </p:txBody>
+      </p:sp>
+      <p:sp>
+        <p:nvSpPr>
+          <p:cNvPr id="3" name="Oval 2">
+            <a:extLst>
+              <a:ext uri="{FF2B5EF4-FFF2-40B4-BE49-F238E27FC236}">
+                <a16:creationId xmlns:a16="http://schemas.microsoft.com/office/drawing/2014/main" id="{7C82A1E7-7B43-320C-D485-6782F2A1AA5D}"/>
+              </a:ext>
+            </a:extLst>
+          </p:cNvPr>
+          <p:cNvSpPr/>
+          <p:nvPr/>
+        </p:nvSpPr>
+        <p:spPr>
+          <a:xfrm>
+            <a:off x="4859254" y="1447103"/>
+            <a:ext cx="1644932" cy="1613043"/>
+          </a:xfrm>
+          <a:prstGeom prst="ellipse">
+            <a:avLst/>
+          </a:prstGeom>
+        </p:spPr>
+        <p:style>
+          <a:lnRef idx="2">
+            <a:schemeClr val="accent1">
+              <a:shade val="50000"/>
+            </a:schemeClr>
+          </a:lnRef>
+          <a:fillRef idx="1">
+            <a:schemeClr val="accent1"/>
+          </a:fillRef>
+          <a:effectRef idx="0">
+            <a:schemeClr val="accent1"/>
+          </a:effectRef>
+          <a:fontRef idx="minor">
+            <a:schemeClr val="lt1"/>
+          </a:fontRef>
+        </p:style>
+        <p:txBody>
+          <a:bodyPr rtlCol="0" anchor="ctr"/>
+          <a:lstStyle/>
+          <a:p>
+            <a:pPr algn="ctr"/>
+            <a:r>
+              <a:rPr lang="en-US" dirty="0"/>
+              <a:t>Languages</a:t>
+            </a:r>
+          </a:p>
+        </p:txBody>
+      </p:sp>
+      <p:sp>
+        <p:nvSpPr>
+          <p:cNvPr id="45" name="Oval 44">
+            <a:extLst>
+              <a:ext uri="{FF2B5EF4-FFF2-40B4-BE49-F238E27FC236}">
+                <a16:creationId xmlns:a16="http://schemas.microsoft.com/office/drawing/2014/main" id="{1F9396CB-8721-12BD-FAAA-C8C005474C1A}"/>
+              </a:ext>
+            </a:extLst>
+          </p:cNvPr>
+          <p:cNvSpPr/>
+          <p:nvPr/>
+        </p:nvSpPr>
+        <p:spPr>
+          <a:xfrm>
+            <a:off x="3214322" y="3734495"/>
+            <a:ext cx="1644932" cy="1613043"/>
+          </a:xfrm>
+          <a:prstGeom prst="ellipse">
+            <a:avLst/>
+          </a:prstGeom>
+        </p:spPr>
+        <p:style>
+          <a:lnRef idx="2">
+            <a:schemeClr val="accent1">
+              <a:shade val="50000"/>
+            </a:schemeClr>
+          </a:lnRef>
+          <a:fillRef idx="1">
+            <a:schemeClr val="accent1"/>
+          </a:fillRef>
+          <a:effectRef idx="0">
+            <a:schemeClr val="accent1"/>
+          </a:effectRef>
+          <a:fontRef idx="minor">
+            <a:schemeClr val="lt1"/>
+          </a:fontRef>
+        </p:style>
+        <p:txBody>
+          <a:bodyPr rtlCol="0" anchor="ctr"/>
+          <a:lstStyle/>
+          <a:p>
+            <a:pPr algn="ctr"/>
+            <a:r>
+              <a:rPr lang="en-US" dirty="0"/>
+              <a:t>Strongly Typed</a:t>
+            </a:r>
+          </a:p>
+        </p:txBody>
+      </p:sp>
+      <p:sp>
+        <p:nvSpPr>
+          <p:cNvPr id="46" name="Oval 45">
+            <a:extLst>
+              <a:ext uri="{FF2B5EF4-FFF2-40B4-BE49-F238E27FC236}">
+                <a16:creationId xmlns:a16="http://schemas.microsoft.com/office/drawing/2014/main" id="{FB29BE55-6E46-754C-A2E8-2AE49DDADB28}"/>
+              </a:ext>
+            </a:extLst>
+          </p:cNvPr>
+          <p:cNvSpPr/>
+          <p:nvPr/>
+        </p:nvSpPr>
+        <p:spPr>
+          <a:xfrm>
+            <a:off x="6510282" y="3757693"/>
+            <a:ext cx="1644932" cy="1613043"/>
+          </a:xfrm>
+          <a:prstGeom prst="ellipse">
+            <a:avLst/>
+          </a:prstGeom>
+        </p:spPr>
+        <p:style>
+          <a:lnRef idx="2">
+            <a:schemeClr val="accent1">
+              <a:shade val="50000"/>
+            </a:schemeClr>
+          </a:lnRef>
+          <a:fillRef idx="1">
+            <a:schemeClr val="accent1"/>
+          </a:fillRef>
+          <a:effectRef idx="0">
+            <a:schemeClr val="accent1"/>
+          </a:effectRef>
+          <a:fontRef idx="minor">
+            <a:schemeClr val="lt1"/>
+          </a:fontRef>
+        </p:style>
+        <p:txBody>
+          <a:bodyPr rtlCol="0" anchor="ctr"/>
+          <a:lstStyle/>
+          <a:p>
+            <a:pPr algn="ctr"/>
+            <a:r>
+              <a:rPr lang="en-US" dirty="0"/>
+              <a:t>Weekly Typed</a:t>
+            </a:r>
+          </a:p>
+        </p:txBody>
+      </p:sp>
+      <p:sp>
+        <p:nvSpPr>
+          <p:cNvPr id="47" name="TextBox 46">
+            <a:extLst>
+              <a:ext uri="{FF2B5EF4-FFF2-40B4-BE49-F238E27FC236}">
+                <a16:creationId xmlns:a16="http://schemas.microsoft.com/office/drawing/2014/main" id="{E4902215-BC65-80C0-8A89-264B2D95B375}"/>
+              </a:ext>
+            </a:extLst>
+          </p:cNvPr>
+          <p:cNvSpPr txBox="1"/>
+          <p:nvPr/>
+        </p:nvSpPr>
+        <p:spPr>
+          <a:xfrm>
+            <a:off x="6762325" y="5370736"/>
+            <a:ext cx="1419235" cy="461665"/>
+          </a:xfrm>
+          <a:prstGeom prst="rect">
+            <a:avLst/>
+          </a:prstGeom>
+          <a:noFill/>
+        </p:spPr>
+        <p:txBody>
+          <a:bodyPr wrap="none" rtlCol="0">
+            <a:spAutoFit/>
+          </a:bodyPr>
+          <a:lstStyle/>
+          <a:p>
             <a:r>
               <a:rPr lang="en-US" sz="2400" dirty="0"/>
-              <a:t>ECMA Script (</a:t>
-            </a:r>
-            <a:r>
-              <a:rPr lang="en-US" sz="2400" i="0" dirty="0">
-                <a:solidFill>
-                  <a:srgbClr val="202124"/>
-                </a:solidFill>
-                <a:effectLst/>
-                <a:latin typeface="Roboto" panose="02000000000000000000" pitchFamily="2" charset="0"/>
-              </a:rPr>
-              <a:t>European Computer Manufacturer's Association</a:t>
-            </a:r>
-            <a:r>
-              <a:rPr lang="en-US" sz="2400" dirty="0"/>
-              <a:t>)</a:t>
-            </a:r>
-          </a:p>
-          <a:p>
-            <a:pPr marL="342900" indent="-342900">
-              <a:buFont typeface="Arial" panose="020B0604020202020204" pitchFamily="34" charset="0"/>
-              <a:buChar char="•"/>
-            </a:pPr>
-            <a:r>
-              <a:rPr lang="en-US" sz="2400" dirty="0"/>
-              <a:t>Created in 10 days</a:t>
-            </a:r>
-          </a:p>
-        </p:txBody>
-      </p:sp>
-      <p:pic>
-        <p:nvPicPr>
-          <p:cNvPr id="1026" name="Picture 2" descr="Netscape Navigator for Windows - Download it from Uptodown for free">
-            <a:extLst>
-              <a:ext uri="{FF2B5EF4-FFF2-40B4-BE49-F238E27FC236}">
-                <a16:creationId xmlns:a16="http://schemas.microsoft.com/office/drawing/2014/main" id="{E66EF2F4-7012-A971-ACE7-923556589537}"/>
-              </a:ext>
-            </a:extLst>
-          </p:cNvPr>
-          <p:cNvPicPr>
-            <a:picLocks noChangeAspect="1" noChangeArrowheads="1"/>
-          </p:cNvPicPr>
-          <p:nvPr/>
-        </p:nvPicPr>
-        <p:blipFill>
-          <a:blip r:embed="rId2">
-            <a:extLst>
-              <a:ext uri="{28A0092B-C50C-407E-A947-70E740481C1C}">
-                <a14:useLocalDpi xmlns:a14="http://schemas.microsoft.com/office/drawing/2010/main" val="0"/>
-              </a:ext>
-            </a:extLst>
-          </a:blip>
-          <a:srcRect/>
-          <a:stretch>
-            <a:fillRect/>
-          </a:stretch>
-        </p:blipFill>
-        <p:spPr bwMode="auto">
-          <a:xfrm>
-            <a:off x="3480279" y="3134759"/>
-            <a:ext cx="5231441" cy="2963989"/>
-          </a:xfrm>
-          <a:prstGeom prst="rect">
-            <a:avLst/>
-          </a:prstGeom>
-          <a:noFill/>
-          <a:extLst>
-            <a:ext uri="{909E8E84-426E-40DD-AFC4-6F175D3DCCD1}">
-              <a14:hiddenFill xmlns:a14="http://schemas.microsoft.com/office/drawing/2010/main">
-                <a:solidFill>
-                  <a:srgbClr val="FFFFFF"/>
-                </a:solidFill>
-              </a14:hiddenFill>
-            </a:ext>
-          </a:extLst>
-        </p:spPr>
-      </p:pic>
+              <a:t>JavaScript</a:t>
+            </a:r>
+          </a:p>
+        </p:txBody>
+      </p:sp>
+      <p:cxnSp>
+        <p:nvCxnSpPr>
+          <p:cNvPr id="9" name="Straight Connector 8">
+            <a:extLst>
+              <a:ext uri="{FF2B5EF4-FFF2-40B4-BE49-F238E27FC236}">
+                <a16:creationId xmlns:a16="http://schemas.microsoft.com/office/drawing/2014/main" id="{12181179-E458-E74A-0BCF-898FFA608747}"/>
+              </a:ext>
+            </a:extLst>
+          </p:cNvPr>
+          <p:cNvCxnSpPr>
+            <a:cxnSpLocks/>
+            <a:stCxn id="45" idx="0"/>
+            <a:endCxn id="3" idx="3"/>
+          </p:cNvCxnSpPr>
+          <p:nvPr/>
+        </p:nvCxnSpPr>
+        <p:spPr>
+          <a:xfrm flipV="1">
+            <a:off x="4036788" y="2823921"/>
+            <a:ext cx="1063361" cy="910574"/>
+          </a:xfrm>
+          <a:prstGeom prst="line">
+            <a:avLst/>
+          </a:prstGeom>
+        </p:spPr>
+        <p:style>
+          <a:lnRef idx="1">
+            <a:schemeClr val="accent1"/>
+          </a:lnRef>
+          <a:fillRef idx="0">
+            <a:schemeClr val="accent1"/>
+          </a:fillRef>
+          <a:effectRef idx="0">
+            <a:schemeClr val="accent1"/>
+          </a:effectRef>
+          <a:fontRef idx="minor">
+            <a:schemeClr val="tx1"/>
+          </a:fontRef>
+        </p:style>
+      </p:cxnSp>
+      <p:cxnSp>
+        <p:nvCxnSpPr>
+          <p:cNvPr id="48" name="Straight Connector 47">
+            <a:extLst>
+              <a:ext uri="{FF2B5EF4-FFF2-40B4-BE49-F238E27FC236}">
+                <a16:creationId xmlns:a16="http://schemas.microsoft.com/office/drawing/2014/main" id="{54A5AFD3-0E7E-D20C-A97E-6CB8E2835782}"/>
+              </a:ext>
+            </a:extLst>
+          </p:cNvPr>
+          <p:cNvCxnSpPr>
+            <a:cxnSpLocks/>
+            <a:stCxn id="46" idx="0"/>
+            <a:endCxn id="3" idx="5"/>
+          </p:cNvCxnSpPr>
+          <p:nvPr/>
+        </p:nvCxnSpPr>
+        <p:spPr>
+          <a:xfrm flipH="1" flipV="1">
+            <a:off x="6263291" y="2823921"/>
+            <a:ext cx="1069457" cy="933772"/>
+          </a:xfrm>
+          <a:prstGeom prst="line">
+            <a:avLst/>
+          </a:prstGeom>
+        </p:spPr>
+        <p:style>
+          <a:lnRef idx="1">
+            <a:schemeClr val="accent1"/>
+          </a:lnRef>
+          <a:fillRef idx="0">
+            <a:schemeClr val="accent1"/>
+          </a:fillRef>
+          <a:effectRef idx="0">
+            <a:schemeClr val="accent1"/>
+          </a:effectRef>
+          <a:fontRef idx="minor">
+            <a:schemeClr val="tx1"/>
+          </a:fontRef>
+        </p:style>
+      </p:cxnSp>
     </p:spTree>
     <p:extLst>
       <p:ext uri="{BB962C8B-B14F-4D97-AF65-F5344CB8AC3E}">
-        <p14:creationId xmlns:p14="http://schemas.microsoft.com/office/powerpoint/2010/main" val="2799761645"/>
+        <p14:creationId xmlns:p14="http://schemas.microsoft.com/office/powerpoint/2010/main" val="336530153"/>
       </p:ext>
     </p:extLst>
   </p:cSld>
@@ -4951,7 +5139,7 @@
         <p:spPr>
           <a:xfrm>
             <a:off x="285135" y="285135"/>
-            <a:ext cx="5922840" cy="769441"/>
+            <a:ext cx="4321439" cy="769441"/>
           </a:xfrm>
           <a:prstGeom prst="rect">
             <a:avLst/>
@@ -4966,7 +5154,7 @@
           <a:p>
             <a:r>
               <a:rPr lang="en-US" sz="4400" b="1" dirty="0"/>
-              <a:t>JavaScript Latest Version</a:t>
+              <a:t>JavaScript History</a:t>
             </a:r>
           </a:p>
         </p:txBody>
@@ -4986,7 +5174,7 @@
         <p:spPr>
           <a:xfrm>
             <a:off x="835741" y="1494503"/>
-            <a:ext cx="6066504" cy="4524315"/>
+            <a:ext cx="8893653" cy="1200329"/>
           </a:xfrm>
           <a:prstGeom prst="rect">
             <a:avLst/>
@@ -4994,7 +5182,7 @@
           <a:noFill/>
         </p:spPr>
         <p:txBody>
-          <a:bodyPr wrap="square" rtlCol="0">
+          <a:bodyPr wrap="none" rtlCol="0">
             <a:spAutoFit/>
           </a:bodyPr>
           <a:lstStyle/>
@@ -5005,7 +5193,7 @@
             </a:pPr>
             <a:r>
               <a:rPr lang="en-US" sz="2400" dirty="0"/>
-              <a:t>ES (ECMA Script) 6 is GOOD</a:t>
+              <a:t>1995 for Netscape 2 </a:t>
             </a:r>
           </a:p>
           <a:p>
@@ -5015,87 +5203,21 @@
             </a:pPr>
             <a:r>
               <a:rPr lang="en-US" sz="2400" dirty="0"/>
-              <a:t>8 Reasons to strongly consider JavaScript:</a:t>
-            </a:r>
-          </a:p>
-          <a:p>
-            <a:pPr marL="742950" lvl="1" indent="-285750">
-              <a:buFont typeface="Arial" panose="020B0604020202020204" pitchFamily="34" charset="0"/>
-              <a:buChar char="•"/>
-            </a:pPr>
+              <a:t>ECMA Script (</a:t>
+            </a:r>
+            <a:r>
+              <a:rPr lang="en-US" sz="2400" i="0" dirty="0">
+                <a:solidFill>
+                  <a:srgbClr val="202124"/>
+                </a:solidFill>
+                <a:effectLst/>
+                <a:latin typeface="Roboto" panose="02000000000000000000" pitchFamily="2" charset="0"/>
+              </a:rPr>
+              <a:t>European Computer Manufacturer's Association</a:t>
+            </a:r>
             <a:r>
               <a:rPr lang="en-US" sz="2400" dirty="0"/>
-              <a:t>Let keyword</a:t>
-            </a:r>
-          </a:p>
-          <a:p>
-            <a:pPr marL="742950" lvl="1" indent="-285750">
-              <a:buFont typeface="Arial" panose="020B0604020202020204" pitchFamily="34" charset="0"/>
-              <a:buChar char="•"/>
-            </a:pPr>
-            <a:r>
-              <a:rPr lang="en-US" sz="2400" dirty="0"/>
-              <a:t>Const keyword</a:t>
-            </a:r>
-          </a:p>
-          <a:p>
-            <a:pPr marL="742950" lvl="1" indent="-285750">
-              <a:buFont typeface="Arial" panose="020B0604020202020204" pitchFamily="34" charset="0"/>
-              <a:buChar char="•"/>
-            </a:pPr>
-            <a:r>
-              <a:rPr lang="en-US" sz="2400" dirty="0"/>
-              <a:t>Arrow Functions</a:t>
-            </a:r>
-          </a:p>
-          <a:p>
-            <a:pPr marL="742950" lvl="1" indent="-285750">
-              <a:buFont typeface="Arial" panose="020B0604020202020204" pitchFamily="34" charset="0"/>
-              <a:buChar char="•"/>
-            </a:pPr>
-            <a:r>
-              <a:rPr lang="en-US" sz="2400" dirty="0"/>
-              <a:t>For/of</a:t>
-            </a:r>
-          </a:p>
-          <a:p>
-            <a:pPr marL="742950" lvl="1" indent="-285750">
-              <a:buFont typeface="Arial" panose="020B0604020202020204" pitchFamily="34" charset="0"/>
-              <a:buChar char="•"/>
-            </a:pPr>
-            <a:r>
-              <a:rPr lang="en-US" sz="2400" dirty="0"/>
-              <a:t>Map Objects</a:t>
-            </a:r>
-          </a:p>
-          <a:p>
-            <a:pPr marL="742950" lvl="1" indent="-285750">
-              <a:buFont typeface="Arial" panose="020B0604020202020204" pitchFamily="34" charset="0"/>
-              <a:buChar char="•"/>
-            </a:pPr>
-            <a:r>
-              <a:rPr lang="en-US" sz="2400" dirty="0"/>
-              <a:t>Set Objects</a:t>
-            </a:r>
-          </a:p>
-          <a:p>
-            <a:pPr marL="742950" lvl="1" indent="-285750">
-              <a:buFont typeface="Arial" panose="020B0604020202020204" pitchFamily="34" charset="0"/>
-              <a:buChar char="•"/>
-            </a:pPr>
-            <a:r>
-              <a:rPr lang="en-US" sz="2400" dirty="0"/>
-              <a:t>Classes (OOP)</a:t>
-            </a:r>
-          </a:p>
-          <a:p>
-            <a:pPr marL="742950" lvl="1" indent="-285750">
-              <a:buFont typeface="Arial" panose="020B0604020202020204" pitchFamily="34" charset="0"/>
-              <a:buChar char="•"/>
-            </a:pPr>
-            <a:r>
-              <a:rPr lang="en-US" sz="2400" dirty="0"/>
-              <a:t>Promises</a:t>
+              <a:t>)</a:t>
             </a:r>
           </a:p>
           <a:p>
@@ -5103,23 +5225,19 @@
               <a:buFont typeface="Arial" panose="020B0604020202020204" pitchFamily="34" charset="0"/>
               <a:buChar char="•"/>
             </a:pPr>
-            <a:endParaRPr lang="en-US" sz="2400" dirty="0"/>
-          </a:p>
-          <a:p>
-            <a:pPr marL="342900" indent="-342900">
-              <a:buFont typeface="Arial" panose="020B0604020202020204" pitchFamily="34" charset="0"/>
-              <a:buChar char="•"/>
-            </a:pPr>
-            <a:endParaRPr lang="en-US" sz="2400" dirty="0"/>
+            <a:r>
+              <a:rPr lang="en-US" sz="2400" dirty="0"/>
+              <a:t>Created in 10 days</a:t>
+            </a:r>
           </a:p>
         </p:txBody>
       </p:sp>
       <p:pic>
         <p:nvPicPr>
-          <p:cNvPr id="2050" name="Picture 2" descr="JavaScript logo and symbol, meaning, history, PNG">
-            <a:extLst>
-              <a:ext uri="{FF2B5EF4-FFF2-40B4-BE49-F238E27FC236}">
-                <a16:creationId xmlns:a16="http://schemas.microsoft.com/office/drawing/2014/main" id="{CD5A49E7-16DA-1F82-86D5-8A8886DC3898}"/>
+          <p:cNvPr id="1026" name="Picture 2" descr="Netscape Navigator for Windows - Download it from Uptodown for free">
+            <a:extLst>
+              <a:ext uri="{FF2B5EF4-FFF2-40B4-BE49-F238E27FC236}">
+                <a16:creationId xmlns:a16="http://schemas.microsoft.com/office/drawing/2014/main" id="{E66EF2F4-7012-A971-ACE7-923556589537}"/>
               </a:ext>
             </a:extLst>
           </p:cNvPr>
@@ -5143,8 +5261,8 @@
         </p:blipFill>
         <p:spPr bwMode="auto">
           <a:xfrm>
-            <a:off x="6656439" y="1494503"/>
-            <a:ext cx="5004618" cy="3127886"/>
+            <a:off x="3480279" y="3134759"/>
+            <a:ext cx="5231441" cy="2963989"/>
           </a:xfrm>
           <a:prstGeom prst="rect">
             <a:avLst/>
@@ -5161,45 +5279,10 @@
           </a:extLst>
         </p:spPr>
       </p:pic>
-      <p:sp>
-        <p:nvSpPr>
-          <p:cNvPr id="11" name="TextBox 10">
-            <a:extLst>
-              <a:ext uri="{FF2B5EF4-FFF2-40B4-BE49-F238E27FC236}">
-                <a16:creationId xmlns:a16="http://schemas.microsoft.com/office/drawing/2014/main" id="{683C4181-7D45-BF62-2384-BE8FE74410F8}"/>
-              </a:ext>
-            </a:extLst>
-          </p:cNvPr>
-          <p:cNvSpPr txBox="1"/>
-          <p:nvPr/>
-        </p:nvSpPr>
-        <p:spPr>
-          <a:xfrm>
-            <a:off x="8371801" y="4765868"/>
-            <a:ext cx="1573894" cy="1015663"/>
-          </a:xfrm>
-          <a:prstGeom prst="rect">
-            <a:avLst/>
-          </a:prstGeom>
-          <a:noFill/>
-        </p:spPr>
-        <p:txBody>
-          <a:bodyPr wrap="square">
-            <a:spAutoFit/>
-          </a:bodyPr>
-          <a:lstStyle/>
-          <a:p>
-            <a:r>
-              <a:rPr lang="en-US" sz="6000" b="1" dirty="0"/>
-              <a:t>ES 6</a:t>
-            </a:r>
-          </a:p>
-        </p:txBody>
-      </p:sp>
     </p:spTree>
     <p:extLst>
       <p:ext uri="{BB962C8B-B14F-4D97-AF65-F5344CB8AC3E}">
-        <p14:creationId xmlns:p14="http://schemas.microsoft.com/office/powerpoint/2010/main" val="3726332858"/>
+        <p14:creationId xmlns:p14="http://schemas.microsoft.com/office/powerpoint/2010/main" val="2799761645"/>
       </p:ext>
     </p:extLst>
   </p:cSld>
@@ -5241,7 +5324,7 @@
         <p:spPr>
           <a:xfrm>
             <a:off x="285135" y="285135"/>
-            <a:ext cx="5619167" cy="769441"/>
+            <a:ext cx="5922840" cy="769441"/>
           </a:xfrm>
           <a:prstGeom prst="rect">
             <a:avLst/>
@@ -5256,7 +5339,7 @@
           <a:p>
             <a:r>
               <a:rPr lang="en-US" sz="4400" b="1" dirty="0"/>
-              <a:t>The JavaScript Problem</a:t>
+              <a:t>JavaScript Latest Version</a:t>
             </a:r>
           </a:p>
         </p:txBody>
@@ -5276,7 +5359,7 @@
         <p:spPr>
           <a:xfrm>
             <a:off x="835741" y="1494503"/>
-            <a:ext cx="7193572" cy="1938992"/>
+            <a:ext cx="6066504" cy="4524315"/>
           </a:xfrm>
           <a:prstGeom prst="rect">
             <a:avLst/>
@@ -5284,7 +5367,7 @@
           <a:noFill/>
         </p:spPr>
         <p:txBody>
-          <a:bodyPr wrap="none" rtlCol="0">
+          <a:bodyPr wrap="square" rtlCol="0">
             <a:spAutoFit/>
           </a:bodyPr>
           <a:lstStyle/>
@@ -5295,7 +5378,7 @@
             </a:pPr>
             <a:r>
               <a:rPr lang="en-US" sz="2400" dirty="0"/>
-              <a:t>Previous versions of JavaScript are BAD</a:t>
+              <a:t>ES (ECMA Script) 6 is GOOD</a:t>
             </a:r>
           </a:p>
           <a:p>
@@ -5305,7 +5388,87 @@
             </a:pPr>
             <a:r>
               <a:rPr lang="en-US" sz="2400" dirty="0"/>
-              <a:t>JavaScript is the most popular language on the planet</a:t>
+              <a:t>8 Reasons to strongly consider JavaScript:</a:t>
+            </a:r>
+          </a:p>
+          <a:p>
+            <a:pPr marL="742950" lvl="1" indent="-285750">
+              <a:buFont typeface="Arial" panose="020B0604020202020204" pitchFamily="34" charset="0"/>
+              <a:buChar char="•"/>
+            </a:pPr>
+            <a:r>
+              <a:rPr lang="en-US" sz="2400" dirty="0"/>
+              <a:t>Let keyword</a:t>
+            </a:r>
+          </a:p>
+          <a:p>
+            <a:pPr marL="742950" lvl="1" indent="-285750">
+              <a:buFont typeface="Arial" panose="020B0604020202020204" pitchFamily="34" charset="0"/>
+              <a:buChar char="•"/>
+            </a:pPr>
+            <a:r>
+              <a:rPr lang="en-US" sz="2400" dirty="0"/>
+              <a:t>Const keyword</a:t>
+            </a:r>
+          </a:p>
+          <a:p>
+            <a:pPr marL="742950" lvl="1" indent="-285750">
+              <a:buFont typeface="Arial" panose="020B0604020202020204" pitchFamily="34" charset="0"/>
+              <a:buChar char="•"/>
+            </a:pPr>
+            <a:r>
+              <a:rPr lang="en-US" sz="2400" dirty="0"/>
+              <a:t>Arrow Functions</a:t>
+            </a:r>
+          </a:p>
+          <a:p>
+            <a:pPr marL="742950" lvl="1" indent="-285750">
+              <a:buFont typeface="Arial" panose="020B0604020202020204" pitchFamily="34" charset="0"/>
+              <a:buChar char="•"/>
+            </a:pPr>
+            <a:r>
+              <a:rPr lang="en-US" sz="2400" dirty="0"/>
+              <a:t>For/of</a:t>
+            </a:r>
+          </a:p>
+          <a:p>
+            <a:pPr marL="742950" lvl="1" indent="-285750">
+              <a:buFont typeface="Arial" panose="020B0604020202020204" pitchFamily="34" charset="0"/>
+              <a:buChar char="•"/>
+            </a:pPr>
+            <a:r>
+              <a:rPr lang="en-US" sz="2400" dirty="0"/>
+              <a:t>Map Objects</a:t>
+            </a:r>
+          </a:p>
+          <a:p>
+            <a:pPr marL="742950" lvl="1" indent="-285750">
+              <a:buFont typeface="Arial" panose="020B0604020202020204" pitchFamily="34" charset="0"/>
+              <a:buChar char="•"/>
+            </a:pPr>
+            <a:r>
+              <a:rPr lang="en-US" sz="2400" dirty="0"/>
+              <a:t>Set Objects</a:t>
+            </a:r>
+          </a:p>
+          <a:p>
+            <a:pPr marL="742950" lvl="1" indent="-285750">
+              <a:buFont typeface="Arial" panose="020B0604020202020204" pitchFamily="34" charset="0"/>
+              <a:buChar char="•"/>
+            </a:pPr>
+            <a:r>
+              <a:rPr lang="en-US" sz="2400" dirty="0"/>
+              <a:t>Classes (OOP)</a:t>
+            </a:r>
+          </a:p>
+          <a:p>
+            <a:pPr marL="742950" lvl="1" indent="-285750">
+              <a:buFont typeface="Arial" panose="020B0604020202020204" pitchFamily="34" charset="0"/>
+              <a:buChar char="•"/>
+            </a:pPr>
+            <a:r>
+              <a:rPr lang="en-US" sz="2400" dirty="0"/>
+              <a:t>Promises</a:t>
             </a:r>
           </a:p>
           <a:p>
@@ -5313,39 +5476,70 @@
               <a:buFont typeface="Arial" panose="020B0604020202020204" pitchFamily="34" charset="0"/>
               <a:buChar char="•"/>
             </a:pPr>
-            <a:r>
-              <a:rPr lang="en-US" sz="2400" dirty="0"/>
-              <a:t>It is 27 years old</a:t>
-            </a:r>
+            <a:endParaRPr lang="en-US" sz="2400" dirty="0"/>
           </a:p>
           <a:p>
             <a:pPr marL="342900" indent="-342900">
               <a:buFont typeface="Arial" panose="020B0604020202020204" pitchFamily="34" charset="0"/>
               <a:buChar char="•"/>
             </a:pPr>
-            <a:r>
-              <a:rPr lang="en-US" sz="2400" dirty="0"/>
-              <a:t>It was created in 10 days</a:t>
-            </a:r>
-          </a:p>
-          <a:p>
-            <a:pPr marL="342900" indent="-342900">
-              <a:buFont typeface="Arial" panose="020B0604020202020204" pitchFamily="34" charset="0"/>
-              <a:buChar char="•"/>
-            </a:pPr>
-            <a:r>
-              <a:rPr lang="en-US" sz="2400" dirty="0"/>
-              <a:t>The Internet doesn’t forget stuff</a:t>
-            </a:r>
-          </a:p>
-        </p:txBody>
-      </p:sp>
-      <p:sp>
-        <p:nvSpPr>
-          <p:cNvPr id="6" name="TextBox 5">
-            <a:extLst>
-              <a:ext uri="{FF2B5EF4-FFF2-40B4-BE49-F238E27FC236}">
-                <a16:creationId xmlns:a16="http://schemas.microsoft.com/office/drawing/2014/main" id="{40E5DDEB-E67E-4239-0786-FFBA15500866}"/>
+            <a:endParaRPr lang="en-US" sz="2400" dirty="0"/>
+          </a:p>
+        </p:txBody>
+      </p:sp>
+      <p:pic>
+        <p:nvPicPr>
+          <p:cNvPr id="2050" name="Picture 2" descr="JavaScript logo and symbol, meaning, history, PNG">
+            <a:extLst>
+              <a:ext uri="{FF2B5EF4-FFF2-40B4-BE49-F238E27FC236}">
+                <a16:creationId xmlns:a16="http://schemas.microsoft.com/office/drawing/2014/main" id="{CD5A49E7-16DA-1F82-86D5-8A8886DC3898}"/>
+              </a:ext>
+            </a:extLst>
+          </p:cNvPr>
+          <p:cNvPicPr>
+            <a:picLocks noChangeAspect="1" noChangeArrowheads="1"/>
+          </p:cNvPicPr>
+          <p:nvPr/>
+        </p:nvPicPr>
+        <p:blipFill>
+          <a:blip r:embed="rId2">
+            <a:extLst>
+              <a:ext uri="{28A0092B-C50C-407E-A947-70E740481C1C}">
+                <a14:useLocalDpi xmlns:a14="http://schemas.microsoft.com/office/drawing/2010/main" val="0"/>
+              </a:ext>
+            </a:extLst>
+          </a:blip>
+          <a:srcRect/>
+          <a:stretch>
+            <a:fillRect/>
+          </a:stretch>
+        </p:blipFill>
+        <p:spPr bwMode="auto">
+          <a:xfrm>
+            <a:off x="6656439" y="1494503"/>
+            <a:ext cx="5004618" cy="3127886"/>
+          </a:xfrm>
+          <a:prstGeom prst="rect">
+            <a:avLst/>
+          </a:prstGeom>
+          <a:noFill/>
+          <a:extLst>
+            <a:ext uri="{909E8E84-426E-40DD-AFC4-6F175D3DCCD1}">
+              <a14:hiddenFill xmlns:a14="http://schemas.microsoft.com/office/drawing/2010/main">
+                <a:solidFill>
+                  <a:srgbClr val="FFFFFF"/>
+                </a:solidFill>
+              </a14:hiddenFill>
+            </a:ext>
+          </a:extLst>
+        </p:spPr>
+      </p:pic>
+      <p:sp>
+        <p:nvSpPr>
+          <p:cNvPr id="11" name="TextBox 10">
+            <a:extLst>
+              <a:ext uri="{FF2B5EF4-FFF2-40B4-BE49-F238E27FC236}">
+                <a16:creationId xmlns:a16="http://schemas.microsoft.com/office/drawing/2014/main" id="{683C4181-7D45-BF62-2384-BE8FE74410F8}"/>
               </a:ext>
             </a:extLst>
           </p:cNvPr>
@@ -5354,8 +5548,8 @@
         </p:nvSpPr>
         <p:spPr>
           <a:xfrm>
-            <a:off x="747901" y="4306468"/>
-            <a:ext cx="10696198" cy="830997"/>
+            <a:off x="8371801" y="4765868"/>
+            <a:ext cx="1573894" cy="1015663"/>
           </a:xfrm>
           <a:prstGeom prst="rect">
             <a:avLst/>
@@ -5363,14 +5557,14 @@
           <a:noFill/>
         </p:spPr>
         <p:txBody>
-          <a:bodyPr wrap="none" rtlCol="0">
+          <a:bodyPr wrap="square">
             <a:spAutoFit/>
           </a:bodyPr>
           <a:lstStyle/>
           <a:p>
             <a:r>
-              <a:rPr lang="en-US" sz="4800" b="1" dirty="0"/>
-              <a:t>JavaScript can be extremely hard to learn</a:t>
+              <a:rPr lang="en-US" sz="6000" b="1" dirty="0"/>
+              <a:t>ES 6</a:t>
             </a:r>
           </a:p>
         </p:txBody>
@@ -5378,7 +5572,7 @@
     </p:spTree>
     <p:extLst>
       <p:ext uri="{BB962C8B-B14F-4D97-AF65-F5344CB8AC3E}">
-        <p14:creationId xmlns:p14="http://schemas.microsoft.com/office/powerpoint/2010/main" val="1354353811"/>
+        <p14:creationId xmlns:p14="http://schemas.microsoft.com/office/powerpoint/2010/main" val="3726332858"/>
       </p:ext>
     </p:extLst>
   </p:cSld>
@@ -5420,7 +5614,7 @@
         <p:spPr>
           <a:xfrm>
             <a:off x="285135" y="285135"/>
-            <a:ext cx="6311664" cy="769441"/>
+            <a:ext cx="5619167" cy="769441"/>
           </a:xfrm>
           <a:prstGeom prst="rect">
             <a:avLst/>
@@ -5435,7 +5629,7 @@
           <a:p>
             <a:r>
               <a:rPr lang="en-US" sz="4400" b="1" dirty="0"/>
-              <a:t>JavaScript Other Thoughts</a:t>
+              <a:t>The JavaScript Problem</a:t>
             </a:r>
           </a:p>
         </p:txBody>
@@ -5455,7 +5649,7 @@
         <p:spPr>
           <a:xfrm>
             <a:off x="835741" y="1494503"/>
-            <a:ext cx="8629863" cy="1938992"/>
+            <a:ext cx="7193572" cy="1938992"/>
           </a:xfrm>
           <a:prstGeom prst="rect">
             <a:avLst/>
@@ -5474,7 +5668,7 @@
             </a:pPr>
             <a:r>
               <a:rPr lang="en-US" sz="2400" dirty="0"/>
-              <a:t>JavaScript ES6 can be used to create elegant simple solutions</a:t>
+              <a:t>Previous versions of JavaScript are BAD</a:t>
             </a:r>
           </a:p>
           <a:p>
@@ -5484,7 +5678,7 @@
             </a:pPr>
             <a:r>
               <a:rPr lang="en-US" sz="2400" dirty="0"/>
-              <a:t>JavaScript ES6 can be used to create a giant mess</a:t>
+              <a:t>JavaScript is the most popular language on the planet</a:t>
             </a:r>
           </a:p>
           <a:p>
@@ -5494,7 +5688,7 @@
             </a:pPr>
             <a:r>
               <a:rPr lang="en-US" sz="2400" dirty="0"/>
-              <a:t>JavaScript enables more career opportunities: Frontend/Backend</a:t>
+              <a:t>It is 27 years old</a:t>
             </a:r>
           </a:p>
           <a:p>
@@ -5504,76 +5698,60 @@
             </a:pPr>
             <a:r>
               <a:rPr lang="en-US" sz="2400" dirty="0"/>
-              <a:t>It is not too bad once you get used to it </a:t>
-            </a:r>
-            <a:r>
-              <a:rPr lang="en-US" sz="2400" dirty="0">
-                <a:sym typeface="Wingdings" panose="05000000000000000000" pitchFamily="2" charset="2"/>
-              </a:rPr>
-              <a:t></a:t>
-            </a:r>
-            <a:endParaRPr lang="en-US" sz="2400" dirty="0"/>
+              <a:t>It was created in 10 days</a:t>
+            </a:r>
           </a:p>
           <a:p>
             <a:pPr marL="342900" indent="-342900">
               <a:buFont typeface="Arial" panose="020B0604020202020204" pitchFamily="34" charset="0"/>
               <a:buChar char="•"/>
             </a:pPr>
-            <a:endParaRPr lang="en-US" sz="2400" dirty="0"/>
-          </a:p>
-        </p:txBody>
-      </p:sp>
-      <p:pic>
-        <p:nvPicPr>
-          <p:cNvPr id="7" name="Picture 2" descr="JavaScript logo and symbol, meaning, history, PNG">
-            <a:extLst>
-              <a:ext uri="{FF2B5EF4-FFF2-40B4-BE49-F238E27FC236}">
-                <a16:creationId xmlns:a16="http://schemas.microsoft.com/office/drawing/2014/main" id="{A25E3420-0530-2DE8-9C1B-7CBCB3D7648E}"/>
-              </a:ext>
-            </a:extLst>
-          </p:cNvPr>
-          <p:cNvPicPr>
-            <a:picLocks noChangeAspect="1" noChangeArrowheads="1"/>
-          </p:cNvPicPr>
-          <p:nvPr/>
-        </p:nvPicPr>
-        <p:blipFill>
-          <a:blip r:embed="rId2">
-            <a:extLst>
-              <a:ext uri="{28A0092B-C50C-407E-A947-70E740481C1C}">
-                <a14:useLocalDpi xmlns:a14="http://schemas.microsoft.com/office/drawing/2010/main" val="0"/>
-              </a:ext>
-            </a:extLst>
-          </a:blip>
-          <a:srcRect/>
-          <a:stretch>
-            <a:fillRect/>
-          </a:stretch>
-        </p:blipFill>
-        <p:spPr bwMode="auto">
-          <a:xfrm>
-            <a:off x="3358435" y="3429000"/>
-            <a:ext cx="4665682" cy="2916052"/>
+            <a:r>
+              <a:rPr lang="en-US" sz="2400" dirty="0"/>
+              <a:t>The Internet doesn’t forget stuff</a:t>
+            </a:r>
+          </a:p>
+        </p:txBody>
+      </p:sp>
+      <p:sp>
+        <p:nvSpPr>
+          <p:cNvPr id="6" name="TextBox 5">
+            <a:extLst>
+              <a:ext uri="{FF2B5EF4-FFF2-40B4-BE49-F238E27FC236}">
+                <a16:creationId xmlns:a16="http://schemas.microsoft.com/office/drawing/2014/main" id="{40E5DDEB-E67E-4239-0786-FFBA15500866}"/>
+              </a:ext>
+            </a:extLst>
+          </p:cNvPr>
+          <p:cNvSpPr txBox="1"/>
+          <p:nvPr/>
+        </p:nvSpPr>
+        <p:spPr>
+          <a:xfrm>
+            <a:off x="747901" y="4306468"/>
+            <a:ext cx="10696198" cy="830997"/>
           </a:xfrm>
           <a:prstGeom prst="rect">
             <a:avLst/>
           </a:prstGeom>
           <a:noFill/>
-          <a:extLst>
-            <a:ext uri="{909E8E84-426E-40DD-AFC4-6F175D3DCCD1}">
-              <a14:hiddenFill xmlns:a14="http://schemas.microsoft.com/office/drawing/2010/main">
-                <a:solidFill>
-                  <a:srgbClr val="FFFFFF"/>
-                </a:solidFill>
-              </a14:hiddenFill>
-            </a:ext>
-          </a:extLst>
-        </p:spPr>
-      </p:pic>
+        </p:spPr>
+        <p:txBody>
+          <a:bodyPr wrap="none" rtlCol="0">
+            <a:spAutoFit/>
+          </a:bodyPr>
+          <a:lstStyle/>
+          <a:p>
+            <a:r>
+              <a:rPr lang="en-US" sz="4800" b="1" dirty="0"/>
+              <a:t>JavaScript can be extremely hard to learn</a:t>
+            </a:r>
+          </a:p>
+        </p:txBody>
+      </p:sp>
     </p:spTree>
     <p:extLst>
       <p:ext uri="{BB962C8B-B14F-4D97-AF65-F5344CB8AC3E}">
-        <p14:creationId xmlns:p14="http://schemas.microsoft.com/office/powerpoint/2010/main" val="3486032486"/>
+        <p14:creationId xmlns:p14="http://schemas.microsoft.com/office/powerpoint/2010/main" val="1354353811"/>
       </p:ext>
     </p:extLst>
   </p:cSld>
@@ -5602,64 +5780,6 @@
       </p:grpSpPr>
       <p:sp>
         <p:nvSpPr>
-          <p:cNvPr id="17" name="Arc 16">
-            <a:extLst>
-              <a:ext uri="{FF2B5EF4-FFF2-40B4-BE49-F238E27FC236}">
-                <a16:creationId xmlns:a16="http://schemas.microsoft.com/office/drawing/2014/main" id="{9BFD5E3B-2C7A-C19F-E3B1-853FEA933459}"/>
-              </a:ext>
-            </a:extLst>
-          </p:cNvPr>
-          <p:cNvSpPr/>
-          <p:nvPr/>
-        </p:nvSpPr>
-        <p:spPr>
-          <a:xfrm flipH="1">
-            <a:off x="1174512" y="3109711"/>
-            <a:ext cx="3140447" cy="2678617"/>
-          </a:xfrm>
-          <a:prstGeom prst="arc">
-            <a:avLst>
-              <a:gd name="adj1" fmla="val 16200000"/>
-              <a:gd name="adj2" fmla="val 8"/>
-            </a:avLst>
-          </a:prstGeom>
-          <a:solidFill>
-            <a:schemeClr val="bg1"/>
-          </a:solidFill>
-          <a:ln w="22225">
-            <a:solidFill>
-              <a:schemeClr val="accent6">
-                <a:lumMod val="75000"/>
-              </a:schemeClr>
-            </a:solidFill>
-            <a:headEnd type="arrow"/>
-          </a:ln>
-        </p:spPr>
-        <p:style>
-          <a:lnRef idx="1">
-            <a:schemeClr val="accent1"/>
-          </a:lnRef>
-          <a:fillRef idx="0">
-            <a:schemeClr val="accent1"/>
-          </a:fillRef>
-          <a:effectRef idx="0">
-            <a:schemeClr val="accent1"/>
-          </a:effectRef>
-          <a:fontRef idx="minor">
-            <a:schemeClr val="tx1"/>
-          </a:fontRef>
-        </p:style>
-        <p:txBody>
-          <a:bodyPr rtlCol="0" anchor="ctr"/>
-          <a:lstStyle/>
-          <a:p>
-            <a:pPr algn="ctr"/>
-            <a:endParaRPr lang="en-US"/>
-          </a:p>
-        </p:txBody>
-      </p:sp>
-      <p:sp>
-        <p:nvSpPr>
           <p:cNvPr id="4" name="TextBox 3">
             <a:extLst>
               <a:ext uri="{FF2B5EF4-FFF2-40B4-BE49-F238E27FC236}">
@@ -5673,7 +5793,7 @@
         <p:spPr>
           <a:xfrm>
             <a:off x="285135" y="285135"/>
-            <a:ext cx="6505755" cy="769441"/>
+            <a:ext cx="6311664" cy="769441"/>
           </a:xfrm>
           <a:prstGeom prst="rect">
             <a:avLst/>
@@ -5688,293 +5808,17 @@
           <a:p>
             <a:r>
               <a:rPr lang="en-US" sz="4400" b="1" dirty="0"/>
-              <a:t>JavaScript and the Browser</a:t>
-            </a:r>
-          </a:p>
-        </p:txBody>
-      </p:sp>
-      <p:sp>
-        <p:nvSpPr>
-          <p:cNvPr id="2" name="Rectangle 1">
-            <a:extLst>
-              <a:ext uri="{FF2B5EF4-FFF2-40B4-BE49-F238E27FC236}">
-                <a16:creationId xmlns:a16="http://schemas.microsoft.com/office/drawing/2014/main" id="{65EF0BC4-1E75-44C2-F140-586AB52DE383}"/>
-              </a:ext>
-            </a:extLst>
-          </p:cNvPr>
-          <p:cNvSpPr/>
-          <p:nvPr/>
-        </p:nvSpPr>
-        <p:spPr>
-          <a:xfrm>
-            <a:off x="2812029" y="1644960"/>
-            <a:ext cx="4458011" cy="2454052"/>
-          </a:xfrm>
-          <a:prstGeom prst="rect">
-            <a:avLst/>
-          </a:prstGeom>
-        </p:spPr>
-        <p:style>
-          <a:lnRef idx="2">
-            <a:schemeClr val="accent1">
-              <a:shade val="50000"/>
-            </a:schemeClr>
-          </a:lnRef>
-          <a:fillRef idx="1">
-            <a:schemeClr val="accent1"/>
-          </a:fillRef>
-          <a:effectRef idx="0">
-            <a:schemeClr val="accent1"/>
-          </a:effectRef>
-          <a:fontRef idx="minor">
-            <a:schemeClr val="lt1"/>
-          </a:fontRef>
-        </p:style>
-        <p:txBody>
-          <a:bodyPr rtlCol="0" anchor="ctr"/>
-          <a:lstStyle/>
-          <a:p>
-            <a:pPr algn="ctr"/>
-            <a:endParaRPr lang="en-US" dirty="0"/>
-          </a:p>
-        </p:txBody>
-      </p:sp>
-      <p:sp>
-        <p:nvSpPr>
-          <p:cNvPr id="6" name="Rectangle 5">
-            <a:extLst>
-              <a:ext uri="{FF2B5EF4-FFF2-40B4-BE49-F238E27FC236}">
-                <a16:creationId xmlns:a16="http://schemas.microsoft.com/office/drawing/2014/main" id="{8233FF4D-424C-FE58-A138-EB85492B4668}"/>
-              </a:ext>
-            </a:extLst>
-          </p:cNvPr>
-          <p:cNvSpPr/>
-          <p:nvPr/>
-        </p:nvSpPr>
-        <p:spPr>
-          <a:xfrm>
-            <a:off x="789041" y="4778975"/>
-            <a:ext cx="1582220" cy="1489753"/>
-          </a:xfrm>
-          <a:prstGeom prst="rect">
-            <a:avLst/>
-          </a:prstGeom>
-        </p:spPr>
-        <p:style>
-          <a:lnRef idx="2">
-            <a:schemeClr val="accent1">
-              <a:shade val="50000"/>
-            </a:schemeClr>
-          </a:lnRef>
-          <a:fillRef idx="1">
-            <a:schemeClr val="accent1"/>
-          </a:fillRef>
-          <a:effectRef idx="0">
-            <a:schemeClr val="accent1"/>
-          </a:effectRef>
-          <a:fontRef idx="minor">
-            <a:schemeClr val="lt1"/>
-          </a:fontRef>
-        </p:style>
-        <p:txBody>
-          <a:bodyPr rtlCol="0" anchor="ctr"/>
-          <a:lstStyle/>
-          <a:p>
-            <a:pPr algn="ctr"/>
-            <a:r>
-              <a:rPr lang="en-US" b="1" dirty="0"/>
-              <a:t>CSS</a:t>
-            </a:r>
-          </a:p>
-        </p:txBody>
-      </p:sp>
-      <p:sp>
-        <p:nvSpPr>
-          <p:cNvPr id="7" name="Rectangle 6">
-            <a:extLst>
-              <a:ext uri="{FF2B5EF4-FFF2-40B4-BE49-F238E27FC236}">
-                <a16:creationId xmlns:a16="http://schemas.microsoft.com/office/drawing/2014/main" id="{426B3168-BF19-F136-1433-569D66D7099F}"/>
-              </a:ext>
-            </a:extLst>
-          </p:cNvPr>
-          <p:cNvSpPr/>
-          <p:nvPr/>
-        </p:nvSpPr>
-        <p:spPr>
-          <a:xfrm>
-            <a:off x="7833927" y="4818531"/>
-            <a:ext cx="1582220" cy="1489753"/>
-          </a:xfrm>
-          <a:prstGeom prst="rect">
-            <a:avLst/>
-          </a:prstGeom>
-        </p:spPr>
-        <p:style>
-          <a:lnRef idx="2">
-            <a:schemeClr val="accent1">
-              <a:shade val="50000"/>
-            </a:schemeClr>
-          </a:lnRef>
-          <a:fillRef idx="1">
-            <a:schemeClr val="accent1"/>
-          </a:fillRef>
-          <a:effectRef idx="0">
-            <a:schemeClr val="accent1"/>
-          </a:effectRef>
-          <a:fontRef idx="minor">
-            <a:schemeClr val="lt1"/>
-          </a:fontRef>
-        </p:style>
-        <p:txBody>
-          <a:bodyPr rtlCol="0" anchor="ctr"/>
-          <a:lstStyle/>
-          <a:p>
-            <a:pPr algn="ctr"/>
-            <a:r>
-              <a:rPr lang="en-US" b="1" dirty="0"/>
-              <a:t>JavaScript</a:t>
-            </a:r>
-          </a:p>
-        </p:txBody>
-      </p:sp>
-      <p:cxnSp>
-        <p:nvCxnSpPr>
-          <p:cNvPr id="8" name="Straight Connector 7">
-            <a:extLst>
-              <a:ext uri="{FF2B5EF4-FFF2-40B4-BE49-F238E27FC236}">
-                <a16:creationId xmlns:a16="http://schemas.microsoft.com/office/drawing/2014/main" id="{606DD99F-2B46-2902-6459-A0FF633C61C5}"/>
-              </a:ext>
-            </a:extLst>
-          </p:cNvPr>
-          <p:cNvCxnSpPr>
-            <a:cxnSpLocks/>
-            <a:stCxn id="6" idx="0"/>
-            <a:endCxn id="2" idx="2"/>
-          </p:cNvCxnSpPr>
-          <p:nvPr/>
-        </p:nvCxnSpPr>
-        <p:spPr>
-          <a:xfrm flipV="1">
-            <a:off x="1580151" y="4099012"/>
-            <a:ext cx="3460884" cy="679963"/>
-          </a:xfrm>
-          <a:prstGeom prst="line">
-            <a:avLst/>
-          </a:prstGeom>
-        </p:spPr>
-        <p:style>
-          <a:lnRef idx="1">
-            <a:schemeClr val="accent1"/>
-          </a:lnRef>
-          <a:fillRef idx="0">
-            <a:schemeClr val="accent1"/>
-          </a:fillRef>
-          <a:effectRef idx="0">
-            <a:schemeClr val="accent1"/>
-          </a:effectRef>
-          <a:fontRef idx="minor">
-            <a:schemeClr val="tx1"/>
-          </a:fontRef>
-        </p:style>
-      </p:cxnSp>
-      <p:cxnSp>
-        <p:nvCxnSpPr>
-          <p:cNvPr id="9" name="Straight Connector 8">
-            <a:extLst>
-              <a:ext uri="{FF2B5EF4-FFF2-40B4-BE49-F238E27FC236}">
-                <a16:creationId xmlns:a16="http://schemas.microsoft.com/office/drawing/2014/main" id="{164DADE8-F2E1-AAFD-7599-CCCB5A2D5989}"/>
-              </a:ext>
-            </a:extLst>
-          </p:cNvPr>
-          <p:cNvCxnSpPr>
-            <a:cxnSpLocks/>
-            <a:stCxn id="7" idx="0"/>
-            <a:endCxn id="2" idx="2"/>
-          </p:cNvCxnSpPr>
-          <p:nvPr/>
-        </p:nvCxnSpPr>
-        <p:spPr>
-          <a:xfrm flipH="1" flipV="1">
-            <a:off x="5041035" y="4099012"/>
-            <a:ext cx="3584002" cy="719519"/>
-          </a:xfrm>
-          <a:prstGeom prst="line">
-            <a:avLst/>
-          </a:prstGeom>
-        </p:spPr>
-        <p:style>
-          <a:lnRef idx="1">
-            <a:schemeClr val="accent1"/>
-          </a:lnRef>
-          <a:fillRef idx="0">
-            <a:schemeClr val="accent1"/>
-          </a:fillRef>
-          <a:effectRef idx="0">
-            <a:schemeClr val="accent1"/>
-          </a:effectRef>
-          <a:fontRef idx="minor">
-            <a:schemeClr val="tx1"/>
-          </a:fontRef>
-        </p:style>
-      </p:cxnSp>
-      <p:sp>
-        <p:nvSpPr>
-          <p:cNvPr id="13" name="Arc 12">
-            <a:extLst>
-              <a:ext uri="{FF2B5EF4-FFF2-40B4-BE49-F238E27FC236}">
-                <a16:creationId xmlns:a16="http://schemas.microsoft.com/office/drawing/2014/main" id="{127646BE-970F-6EEA-32F0-DF231F59CAE0}"/>
-              </a:ext>
-            </a:extLst>
-          </p:cNvPr>
-          <p:cNvSpPr/>
-          <p:nvPr/>
-        </p:nvSpPr>
-        <p:spPr>
-          <a:xfrm>
-            <a:off x="5775876" y="3303891"/>
-            <a:ext cx="3140447" cy="2678617"/>
-          </a:xfrm>
-          <a:prstGeom prst="arc">
-            <a:avLst/>
-          </a:prstGeom>
-          <a:ln w="22225">
-            <a:solidFill>
-              <a:schemeClr val="accent6">
-                <a:lumMod val="75000"/>
-              </a:schemeClr>
-            </a:solidFill>
-            <a:headEnd type="arrow"/>
-          </a:ln>
-        </p:spPr>
-        <p:style>
-          <a:lnRef idx="1">
-            <a:schemeClr val="accent1"/>
-          </a:lnRef>
-          <a:fillRef idx="0">
-            <a:schemeClr val="accent1"/>
-          </a:fillRef>
-          <a:effectRef idx="0">
-            <a:schemeClr val="accent1"/>
-          </a:effectRef>
-          <a:fontRef idx="minor">
-            <a:schemeClr val="tx1"/>
-          </a:fontRef>
-        </p:style>
-        <p:txBody>
-          <a:bodyPr rtlCol="0" anchor="ctr"/>
-          <a:lstStyle/>
-          <a:p>
-            <a:pPr algn="ctr"/>
-            <a:endParaRPr lang="en-US"/>
-          </a:p>
-        </p:txBody>
-      </p:sp>
-      <p:sp>
-        <p:nvSpPr>
-          <p:cNvPr id="19" name="TextBox 18">
-            <a:extLst>
-              <a:ext uri="{FF2B5EF4-FFF2-40B4-BE49-F238E27FC236}">
-                <a16:creationId xmlns:a16="http://schemas.microsoft.com/office/drawing/2014/main" id="{8EB32776-2EA0-35D2-1EF7-CE9F4725A322}"/>
+              <a:t>JavaScript Other Thoughts</a:t>
+            </a:r>
+          </a:p>
+        </p:txBody>
+      </p:sp>
+      <p:sp>
+        <p:nvSpPr>
+          <p:cNvPr id="5" name="TextBox 4">
+            <a:extLst>
+              <a:ext uri="{FF2B5EF4-FFF2-40B4-BE49-F238E27FC236}">
+                <a16:creationId xmlns:a16="http://schemas.microsoft.com/office/drawing/2014/main" id="{9D1AA65A-194D-3393-D60C-3C2BFC191816}"/>
               </a:ext>
             </a:extLst>
           </p:cNvPr>
@@ -5983,8 +5827,8 @@
         </p:nvSpPr>
         <p:spPr>
           <a:xfrm>
-            <a:off x="535981" y="2929963"/>
-            <a:ext cx="891591" cy="523220"/>
+            <a:off x="835741" y="1494503"/>
+            <a:ext cx="8629863" cy="1938992"/>
           </a:xfrm>
           <a:prstGeom prst="rect">
             <a:avLst/>
@@ -5997,300 +5841,112 @@
           </a:bodyPr>
           <a:lstStyle/>
           <a:p>
-            <a:r>
-              <a:rPr lang="en-US" sz="2800" dirty="0"/>
-              <a:t>Style</a:t>
-            </a:r>
-          </a:p>
-        </p:txBody>
-      </p:sp>
-      <p:sp>
-        <p:nvSpPr>
-          <p:cNvPr id="20" name="TextBox 19">
-            <a:extLst>
-              <a:ext uri="{FF2B5EF4-FFF2-40B4-BE49-F238E27FC236}">
-                <a16:creationId xmlns:a16="http://schemas.microsoft.com/office/drawing/2014/main" id="{6721E8E9-7649-C425-2A03-5F8A2EC0FBE6}"/>
-              </a:ext>
-            </a:extLst>
-          </p:cNvPr>
-          <p:cNvSpPr txBox="1"/>
-          <p:nvPr/>
-        </p:nvSpPr>
-        <p:spPr>
-          <a:xfrm>
-            <a:off x="8223706" y="2978115"/>
-            <a:ext cx="3274486" cy="523220"/>
+            <a:pPr marL="342900" indent="-342900">
+              <a:buFont typeface="Arial" panose="020B0604020202020204" pitchFamily="34" charset="0"/>
+              <a:buChar char="•"/>
+            </a:pPr>
+            <a:r>
+              <a:rPr lang="en-US" sz="2400" dirty="0"/>
+              <a:t>JavaScript ES6 can be used to create elegant simple solutions</a:t>
+            </a:r>
+          </a:p>
+          <a:p>
+            <a:pPr marL="342900" indent="-342900">
+              <a:buFont typeface="Arial" panose="020B0604020202020204" pitchFamily="34" charset="0"/>
+              <a:buChar char="•"/>
+            </a:pPr>
+            <a:r>
+              <a:rPr lang="en-US" sz="2400" dirty="0"/>
+              <a:t>JavaScript ES6 can be used to create a giant mess</a:t>
+            </a:r>
+          </a:p>
+          <a:p>
+            <a:pPr marL="342900" indent="-342900">
+              <a:buFont typeface="Arial" panose="020B0604020202020204" pitchFamily="34" charset="0"/>
+              <a:buChar char="•"/>
+            </a:pPr>
+            <a:r>
+              <a:rPr lang="en-US" sz="2400" dirty="0"/>
+              <a:t>JavaScript enables more career opportunities: Frontend/Backend</a:t>
+            </a:r>
+          </a:p>
+          <a:p>
+            <a:pPr marL="342900" indent="-342900">
+              <a:buFont typeface="Arial" panose="020B0604020202020204" pitchFamily="34" charset="0"/>
+              <a:buChar char="•"/>
+            </a:pPr>
+            <a:r>
+              <a:rPr lang="en-US" sz="2400" dirty="0"/>
+              <a:t>It is not too bad once you get used to it </a:t>
+            </a:r>
+            <a:r>
+              <a:rPr lang="en-US" sz="2400" dirty="0">
+                <a:sym typeface="Wingdings" panose="05000000000000000000" pitchFamily="2" charset="2"/>
+              </a:rPr>
+              <a:t></a:t>
+            </a:r>
+            <a:endParaRPr lang="en-US" sz="2400" dirty="0"/>
+          </a:p>
+          <a:p>
+            <a:pPr marL="342900" indent="-342900">
+              <a:buFont typeface="Arial" panose="020B0604020202020204" pitchFamily="34" charset="0"/>
+              <a:buChar char="•"/>
+            </a:pPr>
+            <a:endParaRPr lang="en-US" sz="2400" dirty="0"/>
+          </a:p>
+        </p:txBody>
+      </p:sp>
+      <p:pic>
+        <p:nvPicPr>
+          <p:cNvPr id="7" name="Picture 2" descr="JavaScript logo and symbol, meaning, history, PNG">
+            <a:extLst>
+              <a:ext uri="{FF2B5EF4-FFF2-40B4-BE49-F238E27FC236}">
+                <a16:creationId xmlns:a16="http://schemas.microsoft.com/office/drawing/2014/main" id="{A25E3420-0530-2DE8-9C1B-7CBCB3D7648E}"/>
+              </a:ext>
+            </a:extLst>
+          </p:cNvPr>
+          <p:cNvPicPr>
+            <a:picLocks noChangeAspect="1" noChangeArrowheads="1"/>
+          </p:cNvPicPr>
+          <p:nvPr/>
+        </p:nvPicPr>
+        <p:blipFill>
+          <a:blip r:embed="rId2">
+            <a:extLst>
+              <a:ext uri="{28A0092B-C50C-407E-A947-70E740481C1C}">
+                <a14:useLocalDpi xmlns:a14="http://schemas.microsoft.com/office/drawing/2010/main" val="0"/>
+              </a:ext>
+            </a:extLst>
+          </a:blip>
+          <a:srcRect/>
+          <a:stretch>
+            <a:fillRect/>
+          </a:stretch>
+        </p:blipFill>
+        <p:spPr bwMode="auto">
+          <a:xfrm>
+            <a:off x="3358435" y="3429000"/>
+            <a:ext cx="4665682" cy="2916052"/>
           </a:xfrm>
           <a:prstGeom prst="rect">
             <a:avLst/>
           </a:prstGeom>
           <a:noFill/>
-        </p:spPr>
-        <p:txBody>
-          <a:bodyPr wrap="none" rtlCol="0">
-            <a:spAutoFit/>
-          </a:bodyPr>
-          <a:lstStyle/>
-          <a:p>
-            <a:r>
-              <a:rPr lang="en-US" sz="2800" dirty="0"/>
-              <a:t>Manipulate the DOM</a:t>
-            </a:r>
-          </a:p>
-        </p:txBody>
-      </p:sp>
-      <p:sp>
-        <p:nvSpPr>
-          <p:cNvPr id="21" name="TextBox 20">
-            <a:extLst>
-              <a:ext uri="{FF2B5EF4-FFF2-40B4-BE49-F238E27FC236}">
-                <a16:creationId xmlns:a16="http://schemas.microsoft.com/office/drawing/2014/main" id="{028D9136-9F02-D9E6-888B-4C19426C5AF6}"/>
-              </a:ext>
-            </a:extLst>
-          </p:cNvPr>
-          <p:cNvSpPr txBox="1"/>
-          <p:nvPr/>
-        </p:nvSpPr>
-        <p:spPr>
-          <a:xfrm>
-            <a:off x="9416147" y="5363352"/>
-            <a:ext cx="2441694" cy="400110"/>
-          </a:xfrm>
-          <a:prstGeom prst="rect">
-            <a:avLst/>
-          </a:prstGeom>
-          <a:noFill/>
-        </p:spPr>
-        <p:txBody>
-          <a:bodyPr wrap="none" rtlCol="0">
-            <a:spAutoFit/>
-          </a:bodyPr>
-          <a:lstStyle/>
-          <a:p>
-            <a:r>
-              <a:rPr lang="en-US" sz="2000" dirty="0" err="1">
-                <a:latin typeface="Consolas" panose="020B0609020204030204" pitchFamily="49" charset="0"/>
-              </a:rPr>
-              <a:t>getElementById</a:t>
-            </a:r>
-            <a:r>
-              <a:rPr lang="en-US" sz="2000" dirty="0">
-                <a:latin typeface="Consolas" panose="020B0609020204030204" pitchFamily="49" charset="0"/>
-              </a:rPr>
-              <a:t>()</a:t>
-            </a:r>
-          </a:p>
-        </p:txBody>
-      </p:sp>
-      <p:sp>
-        <p:nvSpPr>
-          <p:cNvPr id="27" name="TextBox 26">
-            <a:extLst>
-              <a:ext uri="{FF2B5EF4-FFF2-40B4-BE49-F238E27FC236}">
-                <a16:creationId xmlns:a16="http://schemas.microsoft.com/office/drawing/2014/main" id="{A86B00AE-F4EA-EDB5-F84D-89A5F12AEB0E}"/>
-              </a:ext>
-            </a:extLst>
-          </p:cNvPr>
-          <p:cNvSpPr txBox="1"/>
-          <p:nvPr/>
-        </p:nvSpPr>
-        <p:spPr>
-          <a:xfrm>
-            <a:off x="3265700" y="3319042"/>
-            <a:ext cx="3829213" cy="369332"/>
-          </a:xfrm>
-          <a:prstGeom prst="rect">
-            <a:avLst/>
-          </a:prstGeom>
-          <a:noFill/>
-        </p:spPr>
-        <p:txBody>
-          <a:bodyPr wrap="square">
-            <a:spAutoFit/>
-          </a:bodyPr>
-          <a:lstStyle/>
-          <a:p>
-            <a:r>
-              <a:rPr lang="en-US" b="0" dirty="0">
+          <a:extLst>
+            <a:ext uri="{909E8E84-426E-40DD-AFC4-6F175D3DCCD1}">
+              <a14:hiddenFill xmlns:a14="http://schemas.microsoft.com/office/drawing/2010/main">
                 <a:solidFill>
-                  <a:schemeClr val="bg1"/>
+                  <a:srgbClr val="FFFFFF"/>
                 </a:solidFill>
-                <a:effectLst/>
-                <a:latin typeface="Consolas" panose="020B0609020204030204" pitchFamily="49" charset="0"/>
-              </a:rPr>
-              <a:t>&lt;link</a:t>
-            </a:r>
-            <a:r>
-              <a:rPr lang="en-US" dirty="0">
-                <a:solidFill>
-                  <a:schemeClr val="bg1"/>
-                </a:solidFill>
-                <a:latin typeface="Consolas" panose="020B0609020204030204" pitchFamily="49" charset="0"/>
-              </a:rPr>
-              <a:t> </a:t>
-            </a:r>
-            <a:r>
-              <a:rPr lang="en-US" b="0" dirty="0">
-                <a:solidFill>
-                  <a:schemeClr val="bg1"/>
-                </a:solidFill>
-                <a:effectLst/>
-                <a:latin typeface="Consolas" panose="020B0609020204030204" pitchFamily="49" charset="0"/>
-              </a:rPr>
-              <a:t>href="</a:t>
-            </a:r>
-            <a:r>
-              <a:rPr lang="en-US" dirty="0">
-                <a:solidFill>
-                  <a:schemeClr val="bg1"/>
-                </a:solidFill>
-                <a:latin typeface="Consolas" panose="020B0609020204030204" pitchFamily="49" charset="0"/>
-              </a:rPr>
-              <a:t>myScript</a:t>
-            </a:r>
-            <a:r>
-              <a:rPr lang="en-US" b="0" dirty="0">
-                <a:solidFill>
-                  <a:schemeClr val="bg1"/>
-                </a:solidFill>
-                <a:effectLst/>
-                <a:latin typeface="Consolas" panose="020B0609020204030204" pitchFamily="49" charset="0"/>
-              </a:rPr>
-              <a:t>.js" /&gt;</a:t>
-            </a:r>
-          </a:p>
-        </p:txBody>
-      </p:sp>
-      <p:sp>
-        <p:nvSpPr>
-          <p:cNvPr id="26" name="TextBox 25">
-            <a:extLst>
-              <a:ext uri="{FF2B5EF4-FFF2-40B4-BE49-F238E27FC236}">
-                <a16:creationId xmlns:a16="http://schemas.microsoft.com/office/drawing/2014/main" id="{2EDC031D-F8C6-AED0-BCFC-93675C99978E}"/>
-              </a:ext>
-            </a:extLst>
-          </p:cNvPr>
-          <p:cNvSpPr txBox="1"/>
-          <p:nvPr/>
-        </p:nvSpPr>
-        <p:spPr>
-          <a:xfrm>
-            <a:off x="3376842" y="2870393"/>
-            <a:ext cx="3337151" cy="369332"/>
-          </a:xfrm>
-          <a:prstGeom prst="rect">
-            <a:avLst/>
-          </a:prstGeom>
-          <a:noFill/>
-        </p:spPr>
-        <p:txBody>
-          <a:bodyPr wrap="square">
-            <a:spAutoFit/>
-          </a:bodyPr>
-          <a:lstStyle/>
-          <a:p>
-            <a:r>
-              <a:rPr lang="en-US" b="0" dirty="0">
-                <a:solidFill>
-                  <a:schemeClr val="bg1"/>
-                </a:solidFill>
-                <a:effectLst/>
-                <a:latin typeface="Consolas" panose="020B0609020204030204" pitchFamily="49" charset="0"/>
-              </a:rPr>
-              <a:t>&lt;link</a:t>
-            </a:r>
-            <a:r>
-              <a:rPr lang="en-US" dirty="0">
-                <a:solidFill>
-                  <a:schemeClr val="bg1"/>
-                </a:solidFill>
-                <a:latin typeface="Consolas" panose="020B0609020204030204" pitchFamily="49" charset="0"/>
-              </a:rPr>
-              <a:t> </a:t>
-            </a:r>
-            <a:r>
-              <a:rPr lang="en-US" b="0" dirty="0">
-                <a:solidFill>
-                  <a:schemeClr val="bg1"/>
-                </a:solidFill>
-                <a:effectLst/>
-                <a:latin typeface="Consolas" panose="020B0609020204030204" pitchFamily="49" charset="0"/>
-              </a:rPr>
-              <a:t>href="</a:t>
-            </a:r>
-            <a:r>
-              <a:rPr lang="en-US" dirty="0">
-                <a:solidFill>
-                  <a:schemeClr val="bg1"/>
-                </a:solidFill>
-                <a:latin typeface="Consolas" panose="020B0609020204030204" pitchFamily="49" charset="0"/>
-              </a:rPr>
-              <a:t>style</a:t>
-            </a:r>
-            <a:r>
-              <a:rPr lang="en-US" b="0" dirty="0">
-                <a:solidFill>
-                  <a:schemeClr val="bg1"/>
-                </a:solidFill>
-                <a:effectLst/>
-                <a:latin typeface="Consolas" panose="020B0609020204030204" pitchFamily="49" charset="0"/>
-              </a:rPr>
-              <a:t>.css" /&gt;</a:t>
-            </a:r>
-          </a:p>
-        </p:txBody>
-      </p:sp>
-      <p:sp>
-        <p:nvSpPr>
-          <p:cNvPr id="36" name="TextBox 35">
-            <a:extLst>
-              <a:ext uri="{FF2B5EF4-FFF2-40B4-BE49-F238E27FC236}">
-                <a16:creationId xmlns:a16="http://schemas.microsoft.com/office/drawing/2014/main" id="{36182AB7-C558-5634-FC5A-86E8210EF360}"/>
-              </a:ext>
-            </a:extLst>
-          </p:cNvPr>
-          <p:cNvSpPr txBox="1"/>
-          <p:nvPr/>
-        </p:nvSpPr>
-        <p:spPr>
-          <a:xfrm>
-            <a:off x="3899033" y="1980898"/>
-            <a:ext cx="2562545" cy="523220"/>
-          </a:xfrm>
-          <a:prstGeom prst="rect">
-            <a:avLst/>
-          </a:prstGeom>
-          <a:noFill/>
-        </p:spPr>
-        <p:txBody>
-          <a:bodyPr wrap="square">
-            <a:spAutoFit/>
-          </a:bodyPr>
-          <a:lstStyle/>
-          <a:p>
-            <a:r>
-              <a:rPr lang="en-US" sz="2800" b="1" dirty="0">
-                <a:solidFill>
-                  <a:schemeClr val="bg1"/>
-                </a:solidFill>
-                <a:latin typeface="+mj-lt"/>
-              </a:rPr>
-              <a:t>Web Page HTML</a:t>
-            </a:r>
-            <a:endParaRPr lang="en-US" sz="2800" b="1" dirty="0">
-              <a:solidFill>
-                <a:schemeClr val="bg1"/>
-              </a:solidFill>
-              <a:effectLst/>
-              <a:latin typeface="+mj-lt"/>
-            </a:endParaRPr>
-          </a:p>
-        </p:txBody>
-      </p:sp>
+              </a14:hiddenFill>
+            </a:ext>
+          </a:extLst>
+        </p:spPr>
+      </p:pic>
     </p:spTree>
     <p:extLst>
       <p:ext uri="{BB962C8B-B14F-4D97-AF65-F5344CB8AC3E}">
-        <p14:creationId xmlns:p14="http://schemas.microsoft.com/office/powerpoint/2010/main" val="1963756579"/>
+        <p14:creationId xmlns:p14="http://schemas.microsoft.com/office/powerpoint/2010/main" val="3486032486"/>
       </p:ext>
     </p:extLst>
   </p:cSld>
@@ -6319,6 +5975,723 @@
       </p:grpSpPr>
       <p:sp>
         <p:nvSpPr>
+          <p:cNvPr id="17" name="Arc 16">
+            <a:extLst>
+              <a:ext uri="{FF2B5EF4-FFF2-40B4-BE49-F238E27FC236}">
+                <a16:creationId xmlns:a16="http://schemas.microsoft.com/office/drawing/2014/main" id="{9BFD5E3B-2C7A-C19F-E3B1-853FEA933459}"/>
+              </a:ext>
+            </a:extLst>
+          </p:cNvPr>
+          <p:cNvSpPr/>
+          <p:nvPr/>
+        </p:nvSpPr>
+        <p:spPr>
+          <a:xfrm flipH="1">
+            <a:off x="1174512" y="3109711"/>
+            <a:ext cx="3140447" cy="2678617"/>
+          </a:xfrm>
+          <a:prstGeom prst="arc">
+            <a:avLst>
+              <a:gd name="adj1" fmla="val 16200000"/>
+              <a:gd name="adj2" fmla="val 8"/>
+            </a:avLst>
+          </a:prstGeom>
+          <a:solidFill>
+            <a:schemeClr val="bg1"/>
+          </a:solidFill>
+          <a:ln w="22225">
+            <a:solidFill>
+              <a:schemeClr val="accent6">
+                <a:lumMod val="75000"/>
+              </a:schemeClr>
+            </a:solidFill>
+            <a:headEnd type="arrow"/>
+          </a:ln>
+        </p:spPr>
+        <p:style>
+          <a:lnRef idx="1">
+            <a:schemeClr val="accent1"/>
+          </a:lnRef>
+          <a:fillRef idx="0">
+            <a:schemeClr val="accent1"/>
+          </a:fillRef>
+          <a:effectRef idx="0">
+            <a:schemeClr val="accent1"/>
+          </a:effectRef>
+          <a:fontRef idx="minor">
+            <a:schemeClr val="tx1"/>
+          </a:fontRef>
+        </p:style>
+        <p:txBody>
+          <a:bodyPr rtlCol="0" anchor="ctr"/>
+          <a:lstStyle/>
+          <a:p>
+            <a:pPr algn="ctr"/>
+            <a:endParaRPr lang="en-US"/>
+          </a:p>
+        </p:txBody>
+      </p:sp>
+      <p:sp>
+        <p:nvSpPr>
+          <p:cNvPr id="4" name="TextBox 3">
+            <a:extLst>
+              <a:ext uri="{FF2B5EF4-FFF2-40B4-BE49-F238E27FC236}">
+                <a16:creationId xmlns:a16="http://schemas.microsoft.com/office/drawing/2014/main" id="{A880D4B1-D492-5903-BDAB-0EF6B9FF9E63}"/>
+              </a:ext>
+            </a:extLst>
+          </p:cNvPr>
+          <p:cNvSpPr txBox="1"/>
+          <p:nvPr/>
+        </p:nvSpPr>
+        <p:spPr>
+          <a:xfrm>
+            <a:off x="285135" y="285135"/>
+            <a:ext cx="6505755" cy="769441"/>
+          </a:xfrm>
+          <a:prstGeom prst="rect">
+            <a:avLst/>
+          </a:prstGeom>
+          <a:noFill/>
+        </p:spPr>
+        <p:txBody>
+          <a:bodyPr wrap="none" rtlCol="0">
+            <a:spAutoFit/>
+          </a:bodyPr>
+          <a:lstStyle/>
+          <a:p>
+            <a:r>
+              <a:rPr lang="en-US" sz="4400" b="1" dirty="0"/>
+              <a:t>JavaScript and the Browser</a:t>
+            </a:r>
+          </a:p>
+        </p:txBody>
+      </p:sp>
+      <p:sp>
+        <p:nvSpPr>
+          <p:cNvPr id="2" name="Rectangle 1">
+            <a:extLst>
+              <a:ext uri="{FF2B5EF4-FFF2-40B4-BE49-F238E27FC236}">
+                <a16:creationId xmlns:a16="http://schemas.microsoft.com/office/drawing/2014/main" id="{65EF0BC4-1E75-44C2-F140-586AB52DE383}"/>
+              </a:ext>
+            </a:extLst>
+          </p:cNvPr>
+          <p:cNvSpPr/>
+          <p:nvPr/>
+        </p:nvSpPr>
+        <p:spPr>
+          <a:xfrm>
+            <a:off x="2812029" y="1644960"/>
+            <a:ext cx="4458011" cy="2454052"/>
+          </a:xfrm>
+          <a:prstGeom prst="rect">
+            <a:avLst/>
+          </a:prstGeom>
+        </p:spPr>
+        <p:style>
+          <a:lnRef idx="2">
+            <a:schemeClr val="accent1">
+              <a:shade val="50000"/>
+            </a:schemeClr>
+          </a:lnRef>
+          <a:fillRef idx="1">
+            <a:schemeClr val="accent1"/>
+          </a:fillRef>
+          <a:effectRef idx="0">
+            <a:schemeClr val="accent1"/>
+          </a:effectRef>
+          <a:fontRef idx="minor">
+            <a:schemeClr val="lt1"/>
+          </a:fontRef>
+        </p:style>
+        <p:txBody>
+          <a:bodyPr rtlCol="0" anchor="ctr"/>
+          <a:lstStyle/>
+          <a:p>
+            <a:pPr algn="ctr"/>
+            <a:endParaRPr lang="en-US" dirty="0"/>
+          </a:p>
+        </p:txBody>
+      </p:sp>
+      <p:sp>
+        <p:nvSpPr>
+          <p:cNvPr id="6" name="Rectangle 5">
+            <a:extLst>
+              <a:ext uri="{FF2B5EF4-FFF2-40B4-BE49-F238E27FC236}">
+                <a16:creationId xmlns:a16="http://schemas.microsoft.com/office/drawing/2014/main" id="{8233FF4D-424C-FE58-A138-EB85492B4668}"/>
+              </a:ext>
+            </a:extLst>
+          </p:cNvPr>
+          <p:cNvSpPr/>
+          <p:nvPr/>
+        </p:nvSpPr>
+        <p:spPr>
+          <a:xfrm>
+            <a:off x="789041" y="4778975"/>
+            <a:ext cx="1582220" cy="1489753"/>
+          </a:xfrm>
+          <a:prstGeom prst="rect">
+            <a:avLst/>
+          </a:prstGeom>
+        </p:spPr>
+        <p:style>
+          <a:lnRef idx="2">
+            <a:schemeClr val="accent1">
+              <a:shade val="50000"/>
+            </a:schemeClr>
+          </a:lnRef>
+          <a:fillRef idx="1">
+            <a:schemeClr val="accent1"/>
+          </a:fillRef>
+          <a:effectRef idx="0">
+            <a:schemeClr val="accent1"/>
+          </a:effectRef>
+          <a:fontRef idx="minor">
+            <a:schemeClr val="lt1"/>
+          </a:fontRef>
+        </p:style>
+        <p:txBody>
+          <a:bodyPr rtlCol="0" anchor="ctr"/>
+          <a:lstStyle/>
+          <a:p>
+            <a:pPr algn="ctr"/>
+            <a:r>
+              <a:rPr lang="en-US" b="1" dirty="0"/>
+              <a:t>CSS</a:t>
+            </a:r>
+          </a:p>
+        </p:txBody>
+      </p:sp>
+      <p:sp>
+        <p:nvSpPr>
+          <p:cNvPr id="7" name="Rectangle 6">
+            <a:extLst>
+              <a:ext uri="{FF2B5EF4-FFF2-40B4-BE49-F238E27FC236}">
+                <a16:creationId xmlns:a16="http://schemas.microsoft.com/office/drawing/2014/main" id="{426B3168-BF19-F136-1433-569D66D7099F}"/>
+              </a:ext>
+            </a:extLst>
+          </p:cNvPr>
+          <p:cNvSpPr/>
+          <p:nvPr/>
+        </p:nvSpPr>
+        <p:spPr>
+          <a:xfrm>
+            <a:off x="7833927" y="4818531"/>
+            <a:ext cx="1582220" cy="1489753"/>
+          </a:xfrm>
+          <a:prstGeom prst="rect">
+            <a:avLst/>
+          </a:prstGeom>
+        </p:spPr>
+        <p:style>
+          <a:lnRef idx="2">
+            <a:schemeClr val="accent1">
+              <a:shade val="50000"/>
+            </a:schemeClr>
+          </a:lnRef>
+          <a:fillRef idx="1">
+            <a:schemeClr val="accent1"/>
+          </a:fillRef>
+          <a:effectRef idx="0">
+            <a:schemeClr val="accent1"/>
+          </a:effectRef>
+          <a:fontRef idx="minor">
+            <a:schemeClr val="lt1"/>
+          </a:fontRef>
+        </p:style>
+        <p:txBody>
+          <a:bodyPr rtlCol="0" anchor="ctr"/>
+          <a:lstStyle/>
+          <a:p>
+            <a:pPr algn="ctr"/>
+            <a:r>
+              <a:rPr lang="en-US" b="1" dirty="0"/>
+              <a:t>JavaScript</a:t>
+            </a:r>
+          </a:p>
+        </p:txBody>
+      </p:sp>
+      <p:cxnSp>
+        <p:nvCxnSpPr>
+          <p:cNvPr id="8" name="Straight Connector 7">
+            <a:extLst>
+              <a:ext uri="{FF2B5EF4-FFF2-40B4-BE49-F238E27FC236}">
+                <a16:creationId xmlns:a16="http://schemas.microsoft.com/office/drawing/2014/main" id="{606DD99F-2B46-2902-6459-A0FF633C61C5}"/>
+              </a:ext>
+            </a:extLst>
+          </p:cNvPr>
+          <p:cNvCxnSpPr>
+            <a:cxnSpLocks/>
+            <a:stCxn id="6" idx="0"/>
+            <a:endCxn id="2" idx="2"/>
+          </p:cNvCxnSpPr>
+          <p:nvPr/>
+        </p:nvCxnSpPr>
+        <p:spPr>
+          <a:xfrm flipV="1">
+            <a:off x="1580151" y="4099012"/>
+            <a:ext cx="3460884" cy="679963"/>
+          </a:xfrm>
+          <a:prstGeom prst="line">
+            <a:avLst/>
+          </a:prstGeom>
+        </p:spPr>
+        <p:style>
+          <a:lnRef idx="1">
+            <a:schemeClr val="accent1"/>
+          </a:lnRef>
+          <a:fillRef idx="0">
+            <a:schemeClr val="accent1"/>
+          </a:fillRef>
+          <a:effectRef idx="0">
+            <a:schemeClr val="accent1"/>
+          </a:effectRef>
+          <a:fontRef idx="minor">
+            <a:schemeClr val="tx1"/>
+          </a:fontRef>
+        </p:style>
+      </p:cxnSp>
+      <p:cxnSp>
+        <p:nvCxnSpPr>
+          <p:cNvPr id="9" name="Straight Connector 8">
+            <a:extLst>
+              <a:ext uri="{FF2B5EF4-FFF2-40B4-BE49-F238E27FC236}">
+                <a16:creationId xmlns:a16="http://schemas.microsoft.com/office/drawing/2014/main" id="{164DADE8-F2E1-AAFD-7599-CCCB5A2D5989}"/>
+              </a:ext>
+            </a:extLst>
+          </p:cNvPr>
+          <p:cNvCxnSpPr>
+            <a:cxnSpLocks/>
+            <a:stCxn id="7" idx="0"/>
+            <a:endCxn id="2" idx="2"/>
+          </p:cNvCxnSpPr>
+          <p:nvPr/>
+        </p:nvCxnSpPr>
+        <p:spPr>
+          <a:xfrm flipH="1" flipV="1">
+            <a:off x="5041035" y="4099012"/>
+            <a:ext cx="3584002" cy="719519"/>
+          </a:xfrm>
+          <a:prstGeom prst="line">
+            <a:avLst/>
+          </a:prstGeom>
+        </p:spPr>
+        <p:style>
+          <a:lnRef idx="1">
+            <a:schemeClr val="accent1"/>
+          </a:lnRef>
+          <a:fillRef idx="0">
+            <a:schemeClr val="accent1"/>
+          </a:fillRef>
+          <a:effectRef idx="0">
+            <a:schemeClr val="accent1"/>
+          </a:effectRef>
+          <a:fontRef idx="minor">
+            <a:schemeClr val="tx1"/>
+          </a:fontRef>
+        </p:style>
+      </p:cxnSp>
+      <p:sp>
+        <p:nvSpPr>
+          <p:cNvPr id="13" name="Arc 12">
+            <a:extLst>
+              <a:ext uri="{FF2B5EF4-FFF2-40B4-BE49-F238E27FC236}">
+                <a16:creationId xmlns:a16="http://schemas.microsoft.com/office/drawing/2014/main" id="{127646BE-970F-6EEA-32F0-DF231F59CAE0}"/>
+              </a:ext>
+            </a:extLst>
+          </p:cNvPr>
+          <p:cNvSpPr/>
+          <p:nvPr/>
+        </p:nvSpPr>
+        <p:spPr>
+          <a:xfrm>
+            <a:off x="5775876" y="3303891"/>
+            <a:ext cx="3140447" cy="2678617"/>
+          </a:xfrm>
+          <a:prstGeom prst="arc">
+            <a:avLst/>
+          </a:prstGeom>
+          <a:ln w="22225">
+            <a:solidFill>
+              <a:schemeClr val="accent6">
+                <a:lumMod val="75000"/>
+              </a:schemeClr>
+            </a:solidFill>
+            <a:headEnd type="arrow"/>
+          </a:ln>
+        </p:spPr>
+        <p:style>
+          <a:lnRef idx="1">
+            <a:schemeClr val="accent1"/>
+          </a:lnRef>
+          <a:fillRef idx="0">
+            <a:schemeClr val="accent1"/>
+          </a:fillRef>
+          <a:effectRef idx="0">
+            <a:schemeClr val="accent1"/>
+          </a:effectRef>
+          <a:fontRef idx="minor">
+            <a:schemeClr val="tx1"/>
+          </a:fontRef>
+        </p:style>
+        <p:txBody>
+          <a:bodyPr rtlCol="0" anchor="ctr"/>
+          <a:lstStyle/>
+          <a:p>
+            <a:pPr algn="ctr"/>
+            <a:endParaRPr lang="en-US"/>
+          </a:p>
+        </p:txBody>
+      </p:sp>
+      <p:sp>
+        <p:nvSpPr>
+          <p:cNvPr id="19" name="TextBox 18">
+            <a:extLst>
+              <a:ext uri="{FF2B5EF4-FFF2-40B4-BE49-F238E27FC236}">
+                <a16:creationId xmlns:a16="http://schemas.microsoft.com/office/drawing/2014/main" id="{8EB32776-2EA0-35D2-1EF7-CE9F4725A322}"/>
+              </a:ext>
+            </a:extLst>
+          </p:cNvPr>
+          <p:cNvSpPr txBox="1"/>
+          <p:nvPr/>
+        </p:nvSpPr>
+        <p:spPr>
+          <a:xfrm>
+            <a:off x="535981" y="2929963"/>
+            <a:ext cx="891591" cy="523220"/>
+          </a:xfrm>
+          <a:prstGeom prst="rect">
+            <a:avLst/>
+          </a:prstGeom>
+          <a:noFill/>
+        </p:spPr>
+        <p:txBody>
+          <a:bodyPr wrap="none" rtlCol="0">
+            <a:spAutoFit/>
+          </a:bodyPr>
+          <a:lstStyle/>
+          <a:p>
+            <a:r>
+              <a:rPr lang="en-US" sz="2800" dirty="0"/>
+              <a:t>Style</a:t>
+            </a:r>
+          </a:p>
+        </p:txBody>
+      </p:sp>
+      <p:sp>
+        <p:nvSpPr>
+          <p:cNvPr id="20" name="TextBox 19">
+            <a:extLst>
+              <a:ext uri="{FF2B5EF4-FFF2-40B4-BE49-F238E27FC236}">
+                <a16:creationId xmlns:a16="http://schemas.microsoft.com/office/drawing/2014/main" id="{6721E8E9-7649-C425-2A03-5F8A2EC0FBE6}"/>
+              </a:ext>
+            </a:extLst>
+          </p:cNvPr>
+          <p:cNvSpPr txBox="1"/>
+          <p:nvPr/>
+        </p:nvSpPr>
+        <p:spPr>
+          <a:xfrm>
+            <a:off x="8223706" y="2978115"/>
+            <a:ext cx="3274486" cy="523220"/>
+          </a:xfrm>
+          <a:prstGeom prst="rect">
+            <a:avLst/>
+          </a:prstGeom>
+          <a:noFill/>
+        </p:spPr>
+        <p:txBody>
+          <a:bodyPr wrap="none" rtlCol="0">
+            <a:spAutoFit/>
+          </a:bodyPr>
+          <a:lstStyle/>
+          <a:p>
+            <a:r>
+              <a:rPr lang="en-US" sz="2800" dirty="0"/>
+              <a:t>Manipulate the DOM</a:t>
+            </a:r>
+          </a:p>
+        </p:txBody>
+      </p:sp>
+      <p:sp>
+        <p:nvSpPr>
+          <p:cNvPr id="21" name="TextBox 20">
+            <a:extLst>
+              <a:ext uri="{FF2B5EF4-FFF2-40B4-BE49-F238E27FC236}">
+                <a16:creationId xmlns:a16="http://schemas.microsoft.com/office/drawing/2014/main" id="{028D9136-9F02-D9E6-888B-4C19426C5AF6}"/>
+              </a:ext>
+            </a:extLst>
+          </p:cNvPr>
+          <p:cNvSpPr txBox="1"/>
+          <p:nvPr/>
+        </p:nvSpPr>
+        <p:spPr>
+          <a:xfrm>
+            <a:off x="9416147" y="5363352"/>
+            <a:ext cx="2441694" cy="400110"/>
+          </a:xfrm>
+          <a:prstGeom prst="rect">
+            <a:avLst/>
+          </a:prstGeom>
+          <a:noFill/>
+        </p:spPr>
+        <p:txBody>
+          <a:bodyPr wrap="none" rtlCol="0">
+            <a:spAutoFit/>
+          </a:bodyPr>
+          <a:lstStyle/>
+          <a:p>
+            <a:r>
+              <a:rPr lang="en-US" sz="2000" dirty="0" err="1">
+                <a:latin typeface="Consolas" panose="020B0609020204030204" pitchFamily="49" charset="0"/>
+              </a:rPr>
+              <a:t>getElementById</a:t>
+            </a:r>
+            <a:r>
+              <a:rPr lang="en-US" sz="2000" dirty="0">
+                <a:latin typeface="Consolas" panose="020B0609020204030204" pitchFamily="49" charset="0"/>
+              </a:rPr>
+              <a:t>()</a:t>
+            </a:r>
+          </a:p>
+        </p:txBody>
+      </p:sp>
+      <p:sp>
+        <p:nvSpPr>
+          <p:cNvPr id="27" name="TextBox 26">
+            <a:extLst>
+              <a:ext uri="{FF2B5EF4-FFF2-40B4-BE49-F238E27FC236}">
+                <a16:creationId xmlns:a16="http://schemas.microsoft.com/office/drawing/2014/main" id="{A86B00AE-F4EA-EDB5-F84D-89A5F12AEB0E}"/>
+              </a:ext>
+            </a:extLst>
+          </p:cNvPr>
+          <p:cNvSpPr txBox="1"/>
+          <p:nvPr/>
+        </p:nvSpPr>
+        <p:spPr>
+          <a:xfrm>
+            <a:off x="3265700" y="3319042"/>
+            <a:ext cx="3829213" cy="369332"/>
+          </a:xfrm>
+          <a:prstGeom prst="rect">
+            <a:avLst/>
+          </a:prstGeom>
+          <a:noFill/>
+        </p:spPr>
+        <p:txBody>
+          <a:bodyPr wrap="square">
+            <a:spAutoFit/>
+          </a:bodyPr>
+          <a:lstStyle/>
+          <a:p>
+            <a:r>
+              <a:rPr lang="en-US" b="0" dirty="0">
+                <a:solidFill>
+                  <a:schemeClr val="bg1"/>
+                </a:solidFill>
+                <a:effectLst/>
+                <a:latin typeface="Consolas" panose="020B0609020204030204" pitchFamily="49" charset="0"/>
+              </a:rPr>
+              <a:t>&lt;link</a:t>
+            </a:r>
+            <a:r>
+              <a:rPr lang="en-US" dirty="0">
+                <a:solidFill>
+                  <a:schemeClr val="bg1"/>
+                </a:solidFill>
+                <a:latin typeface="Consolas" panose="020B0609020204030204" pitchFamily="49" charset="0"/>
+              </a:rPr>
+              <a:t> </a:t>
+            </a:r>
+            <a:r>
+              <a:rPr lang="en-US" b="0" dirty="0">
+                <a:solidFill>
+                  <a:schemeClr val="bg1"/>
+                </a:solidFill>
+                <a:effectLst/>
+                <a:latin typeface="Consolas" panose="020B0609020204030204" pitchFamily="49" charset="0"/>
+              </a:rPr>
+              <a:t>href="</a:t>
+            </a:r>
+            <a:r>
+              <a:rPr lang="en-US" dirty="0">
+                <a:solidFill>
+                  <a:schemeClr val="bg1"/>
+                </a:solidFill>
+                <a:latin typeface="Consolas" panose="020B0609020204030204" pitchFamily="49" charset="0"/>
+              </a:rPr>
+              <a:t>myScript</a:t>
+            </a:r>
+            <a:r>
+              <a:rPr lang="en-US" b="0" dirty="0">
+                <a:solidFill>
+                  <a:schemeClr val="bg1"/>
+                </a:solidFill>
+                <a:effectLst/>
+                <a:latin typeface="Consolas" panose="020B0609020204030204" pitchFamily="49" charset="0"/>
+              </a:rPr>
+              <a:t>.js" /&gt;</a:t>
+            </a:r>
+          </a:p>
+        </p:txBody>
+      </p:sp>
+      <p:sp>
+        <p:nvSpPr>
+          <p:cNvPr id="26" name="TextBox 25">
+            <a:extLst>
+              <a:ext uri="{FF2B5EF4-FFF2-40B4-BE49-F238E27FC236}">
+                <a16:creationId xmlns:a16="http://schemas.microsoft.com/office/drawing/2014/main" id="{2EDC031D-F8C6-AED0-BCFC-93675C99978E}"/>
+              </a:ext>
+            </a:extLst>
+          </p:cNvPr>
+          <p:cNvSpPr txBox="1"/>
+          <p:nvPr/>
+        </p:nvSpPr>
+        <p:spPr>
+          <a:xfrm>
+            <a:off x="3376842" y="2870393"/>
+            <a:ext cx="3337151" cy="369332"/>
+          </a:xfrm>
+          <a:prstGeom prst="rect">
+            <a:avLst/>
+          </a:prstGeom>
+          <a:noFill/>
+        </p:spPr>
+        <p:txBody>
+          <a:bodyPr wrap="square">
+            <a:spAutoFit/>
+          </a:bodyPr>
+          <a:lstStyle/>
+          <a:p>
+            <a:r>
+              <a:rPr lang="en-US" b="0" dirty="0">
+                <a:solidFill>
+                  <a:schemeClr val="bg1"/>
+                </a:solidFill>
+                <a:effectLst/>
+                <a:latin typeface="Consolas" panose="020B0609020204030204" pitchFamily="49" charset="0"/>
+              </a:rPr>
+              <a:t>&lt;link</a:t>
+            </a:r>
+            <a:r>
+              <a:rPr lang="en-US" dirty="0">
+                <a:solidFill>
+                  <a:schemeClr val="bg1"/>
+                </a:solidFill>
+                <a:latin typeface="Consolas" panose="020B0609020204030204" pitchFamily="49" charset="0"/>
+              </a:rPr>
+              <a:t> </a:t>
+            </a:r>
+            <a:r>
+              <a:rPr lang="en-US" b="0" dirty="0">
+                <a:solidFill>
+                  <a:schemeClr val="bg1"/>
+                </a:solidFill>
+                <a:effectLst/>
+                <a:latin typeface="Consolas" panose="020B0609020204030204" pitchFamily="49" charset="0"/>
+              </a:rPr>
+              <a:t>href="</a:t>
+            </a:r>
+            <a:r>
+              <a:rPr lang="en-US" dirty="0">
+                <a:solidFill>
+                  <a:schemeClr val="bg1"/>
+                </a:solidFill>
+                <a:latin typeface="Consolas" panose="020B0609020204030204" pitchFamily="49" charset="0"/>
+              </a:rPr>
+              <a:t>style</a:t>
+            </a:r>
+            <a:r>
+              <a:rPr lang="en-US" b="0" dirty="0">
+                <a:solidFill>
+                  <a:schemeClr val="bg1"/>
+                </a:solidFill>
+                <a:effectLst/>
+                <a:latin typeface="Consolas" panose="020B0609020204030204" pitchFamily="49" charset="0"/>
+              </a:rPr>
+              <a:t>.css" /&gt;</a:t>
+            </a:r>
+          </a:p>
+        </p:txBody>
+      </p:sp>
+      <p:sp>
+        <p:nvSpPr>
+          <p:cNvPr id="36" name="TextBox 35">
+            <a:extLst>
+              <a:ext uri="{FF2B5EF4-FFF2-40B4-BE49-F238E27FC236}">
+                <a16:creationId xmlns:a16="http://schemas.microsoft.com/office/drawing/2014/main" id="{36182AB7-C558-5634-FC5A-86E8210EF360}"/>
+              </a:ext>
+            </a:extLst>
+          </p:cNvPr>
+          <p:cNvSpPr txBox="1"/>
+          <p:nvPr/>
+        </p:nvSpPr>
+        <p:spPr>
+          <a:xfrm>
+            <a:off x="3899033" y="1980898"/>
+            <a:ext cx="2562545" cy="523220"/>
+          </a:xfrm>
+          <a:prstGeom prst="rect">
+            <a:avLst/>
+          </a:prstGeom>
+          <a:noFill/>
+        </p:spPr>
+        <p:txBody>
+          <a:bodyPr wrap="square">
+            <a:spAutoFit/>
+          </a:bodyPr>
+          <a:lstStyle/>
+          <a:p>
+            <a:r>
+              <a:rPr lang="en-US" sz="2800" b="1" dirty="0">
+                <a:solidFill>
+                  <a:schemeClr val="bg1"/>
+                </a:solidFill>
+                <a:latin typeface="+mj-lt"/>
+              </a:rPr>
+              <a:t>Web Page HTML</a:t>
+            </a:r>
+            <a:endParaRPr lang="en-US" sz="2800" b="1" dirty="0">
+              <a:solidFill>
+                <a:schemeClr val="bg1"/>
+              </a:solidFill>
+              <a:effectLst/>
+              <a:latin typeface="+mj-lt"/>
+            </a:endParaRPr>
+          </a:p>
+        </p:txBody>
+      </p:sp>
+    </p:spTree>
+    <p:extLst>
+      <p:ext uri="{BB962C8B-B14F-4D97-AF65-F5344CB8AC3E}">
+        <p14:creationId xmlns:p14="http://schemas.microsoft.com/office/powerpoint/2010/main" val="1963756579"/>
+      </p:ext>
+    </p:extLst>
+  </p:cSld>
+  <p:clrMapOvr>
+    <a:masterClrMapping/>
+  </p:clrMapOvr>
+</p:sld>
+</file>
+
+<file path=ppt/slides/slide8.xml><?xml version="1.0" encoding="utf-8"?>
+<p:sld xmlns:a="http://schemas.openxmlformats.org/drawingml/2006/main" xmlns:r="http://schemas.openxmlformats.org/officeDocument/2006/relationships" xmlns:p="http://schemas.openxmlformats.org/presentationml/2006/main">
+  <p:cSld>
+    <p:spTree>
+      <p:nvGrpSpPr>
+        <p:cNvPr id="1" name=""/>
+        <p:cNvGrpSpPr/>
+        <p:nvPr/>
+      </p:nvGrpSpPr>
+      <p:grpSpPr>
+        <a:xfrm>
+          <a:off x="0" y="0"/>
+          <a:ext cx="0" cy="0"/>
+          <a:chOff x="0" y="0"/>
+          <a:chExt cx="0" cy="0"/>
+        </a:xfrm>
+      </p:grpSpPr>
+      <p:sp>
+        <p:nvSpPr>
           <p:cNvPr id="11" name="Arrow: Right 10">
             <a:extLst>
               <a:ext uri="{FF2B5EF4-FFF2-40B4-BE49-F238E27FC236}">
@@ -6868,7 +7241,7 @@
 </p:sld>
 </file>
 
-<file path=ppt/slides/slide8.xml><?xml version="1.0" encoding="utf-8"?>
+<file path=ppt/slides/slide9.xml><?xml version="1.0" encoding="utf-8"?>
 <p:sld xmlns:a="http://schemas.openxmlformats.org/drawingml/2006/main" xmlns:r="http://schemas.openxmlformats.org/officeDocument/2006/relationships" xmlns:p="http://schemas.openxmlformats.org/presentationml/2006/main">
   <p:cSld>
     <p:spTree>

--- a/docs/JavaIntro.pptx
+++ b/docs/JavaIntro.pptx
@@ -4727,6 +4727,111 @@
           </a:p>
         </p:txBody>
       </p:sp>
+      <p:sp>
+        <p:nvSpPr>
+          <p:cNvPr id="45" name="TextBox 44">
+            <a:extLst>
+              <a:ext uri="{FF2B5EF4-FFF2-40B4-BE49-F238E27FC236}">
+                <a16:creationId xmlns:a16="http://schemas.microsoft.com/office/drawing/2014/main" id="{6B407020-CD3E-517E-02A2-491D6BFB94BF}"/>
+              </a:ext>
+            </a:extLst>
+          </p:cNvPr>
+          <p:cNvSpPr txBox="1"/>
+          <p:nvPr/>
+        </p:nvSpPr>
+        <p:spPr>
+          <a:xfrm>
+            <a:off x="3129276" y="3035081"/>
+            <a:ext cx="2409764" cy="307777"/>
+          </a:xfrm>
+          <a:prstGeom prst="rect">
+            <a:avLst/>
+          </a:prstGeom>
+          <a:noFill/>
+        </p:spPr>
+        <p:txBody>
+          <a:bodyPr wrap="square" rtlCol="0">
+            <a:spAutoFit/>
+          </a:bodyPr>
+          <a:lstStyle/>
+          <a:p>
+            <a:r>
+              <a:rPr lang="en-US" sz="1400" dirty="0"/>
+              <a:t>Compile once, run anywhere</a:t>
+            </a:r>
+          </a:p>
+        </p:txBody>
+      </p:sp>
+      <p:sp>
+        <p:nvSpPr>
+          <p:cNvPr id="46" name="TextBox 45">
+            <a:extLst>
+              <a:ext uri="{FF2B5EF4-FFF2-40B4-BE49-F238E27FC236}">
+                <a16:creationId xmlns:a16="http://schemas.microsoft.com/office/drawing/2014/main" id="{D4A11D07-B1BD-1DA6-53F7-08CFBC6F0B2A}"/>
+              </a:ext>
+            </a:extLst>
+          </p:cNvPr>
+          <p:cNvSpPr txBox="1"/>
+          <p:nvPr/>
+        </p:nvSpPr>
+        <p:spPr>
+          <a:xfrm>
+            <a:off x="3722008" y="1199798"/>
+            <a:ext cx="2036825" cy="307777"/>
+          </a:xfrm>
+          <a:prstGeom prst="rect">
+            <a:avLst/>
+          </a:prstGeom>
+          <a:noFill/>
+        </p:spPr>
+        <p:txBody>
+          <a:bodyPr wrap="square" rtlCol="0">
+            <a:spAutoFit/>
+          </a:bodyPr>
+          <a:lstStyle/>
+          <a:p>
+            <a:r>
+              <a:rPr lang="en-US" sz="1400" dirty="0"/>
+              <a:t>Compile once, run once</a:t>
+            </a:r>
+          </a:p>
+        </p:txBody>
+      </p:sp>
+      <p:sp>
+        <p:nvSpPr>
+          <p:cNvPr id="47" name="TextBox 46">
+            <a:extLst>
+              <a:ext uri="{FF2B5EF4-FFF2-40B4-BE49-F238E27FC236}">
+                <a16:creationId xmlns:a16="http://schemas.microsoft.com/office/drawing/2014/main" id="{AD1A09A8-AB99-1492-10AB-B9AF8D77C220}"/>
+              </a:ext>
+            </a:extLst>
+          </p:cNvPr>
+          <p:cNvSpPr txBox="1"/>
+          <p:nvPr/>
+        </p:nvSpPr>
+        <p:spPr>
+          <a:xfrm>
+            <a:off x="4108184" y="5112973"/>
+            <a:ext cx="1173440" cy="307777"/>
+          </a:xfrm>
+          <a:prstGeom prst="rect">
+            <a:avLst/>
+          </a:prstGeom>
+          <a:noFill/>
+        </p:spPr>
+        <p:txBody>
+          <a:bodyPr wrap="square" rtlCol="0">
+            <a:spAutoFit/>
+          </a:bodyPr>
+          <a:lstStyle/>
+          <a:p>
+            <a:r>
+              <a:rPr lang="en-US" sz="1400" dirty="0"/>
+              <a:t>No compiler!</a:t>
+            </a:r>
+          </a:p>
+        </p:txBody>
+      </p:sp>
     </p:spTree>
     <p:extLst>
       <p:ext uri="{BB962C8B-B14F-4D97-AF65-F5344CB8AC3E}">
@@ -4806,7 +4911,7 @@
         </p:nvSpPr>
         <p:spPr>
           <a:xfrm>
-            <a:off x="3165427" y="5370736"/>
+            <a:off x="3293557" y="5381009"/>
             <a:ext cx="1742721" cy="461665"/>
           </a:xfrm>
           <a:prstGeom prst="rect">
@@ -4846,7 +4951,7 @@
         </p:nvSpPr>
         <p:spPr>
           <a:xfrm>
-            <a:off x="4859254" y="1447103"/>
+            <a:off x="4987384" y="1457376"/>
             <a:ext cx="1644932" cy="1613043"/>
           </a:xfrm>
           <a:prstGeom prst="ellipse">
@@ -4895,7 +5000,7 @@
         </p:nvSpPr>
         <p:spPr>
           <a:xfrm>
-            <a:off x="3214322" y="3734495"/>
+            <a:off x="3342452" y="3744768"/>
             <a:ext cx="1644932" cy="1613043"/>
           </a:xfrm>
           <a:prstGeom prst="ellipse">
@@ -4944,7 +5049,7 @@
         </p:nvSpPr>
         <p:spPr>
           <a:xfrm>
-            <a:off x="6510282" y="3757693"/>
+            <a:off x="6638412" y="3767966"/>
             <a:ext cx="1644932" cy="1613043"/>
           </a:xfrm>
           <a:prstGeom prst="ellipse">
@@ -4993,7 +5098,7 @@
         </p:nvSpPr>
         <p:spPr>
           <a:xfrm>
-            <a:off x="6762325" y="5370736"/>
+            <a:off x="6751260" y="5378361"/>
             <a:ext cx="1419235" cy="461665"/>
           </a:xfrm>
           <a:prstGeom prst="rect">
@@ -5032,7 +5137,7 @@
         </p:nvCxnSpPr>
         <p:spPr>
           <a:xfrm flipV="1">
-            <a:off x="4036788" y="2823921"/>
+            <a:off x="4164918" y="2834194"/>
             <a:ext cx="1063361" cy="910574"/>
           </a:xfrm>
           <a:prstGeom prst="line">
@@ -5072,7 +5177,7 @@
         </p:nvCxnSpPr>
         <p:spPr>
           <a:xfrm flipH="1" flipV="1">
-            <a:off x="6263291" y="2823921"/>
+            <a:off x="6391421" y="2834194"/>
             <a:ext cx="1069457" cy="933772"/>
           </a:xfrm>
           <a:prstGeom prst="line">
@@ -5174,7 +5279,7 @@
         <p:spPr>
           <a:xfrm>
             <a:off x="835741" y="1494503"/>
-            <a:ext cx="8893653" cy="1200329"/>
+            <a:ext cx="9908482" cy="1569660"/>
           </a:xfrm>
           <a:prstGeom prst="rect">
             <a:avLst/>
@@ -5193,7 +5298,7 @@
             </a:pPr>
             <a:r>
               <a:rPr lang="en-US" sz="2400" dirty="0"/>
-              <a:t>1995 for Netscape 2 </a:t>
+              <a:t>Created in 1995 for Netscape 2 </a:t>
             </a:r>
           </a:p>
           <a:p>
@@ -5203,7 +5308,7 @@
             </a:pPr>
             <a:r>
               <a:rPr lang="en-US" sz="2400" dirty="0"/>
-              <a:t>ECMA Script (</a:t>
+              <a:t>Handed off to ECMA (</a:t>
             </a:r>
             <a:r>
               <a:rPr lang="en-US" sz="2400" i="0" dirty="0">
@@ -5230,6 +5335,16 @@
               <a:t>Created in 10 days</a:t>
             </a:r>
           </a:p>
+          <a:p>
+            <a:pPr marL="342900" indent="-342900">
+              <a:buFont typeface="Arial" panose="020B0604020202020204" pitchFamily="34" charset="0"/>
+              <a:buChar char="•"/>
+            </a:pPr>
+            <a:r>
+              <a:rPr lang="en-US" sz="2400" dirty="0"/>
+              <a:t>AKA ECMA Script</a:t>
+            </a:r>
+          </a:p>
         </p:txBody>
       </p:sp>
       <p:pic>
@@ -5261,7 +5376,7 @@
         </p:blipFill>
         <p:spPr bwMode="auto">
           <a:xfrm>
-            <a:off x="3480279" y="3134759"/>
+            <a:off x="3480279" y="3268323"/>
             <a:ext cx="5231441" cy="2963989"/>
           </a:xfrm>
           <a:prstGeom prst="rect">
@@ -5378,7 +5493,7 @@
             </a:pPr>
             <a:r>
               <a:rPr lang="en-US" sz="2400" dirty="0"/>
-              <a:t>ES (ECMA Script) 6 is GOOD</a:t>
+              <a:t>ES 6 (ECMA Script 6) is GOOD</a:t>
             </a:r>
           </a:p>
           <a:p>
@@ -5727,8 +5842,8 @@
         </p:nvSpPr>
         <p:spPr>
           <a:xfrm>
-            <a:off x="747901" y="4306468"/>
-            <a:ext cx="10696198" cy="830997"/>
+            <a:off x="835741" y="4429758"/>
+            <a:ext cx="9819035" cy="769441"/>
           </a:xfrm>
           <a:prstGeom prst="rect">
             <a:avLst/>
@@ -5742,7 +5857,13 @@
           <a:lstStyle/>
           <a:p>
             <a:r>
-              <a:rPr lang="en-US" sz="4800" b="1" dirty="0"/>
+              <a:rPr lang="en-US" sz="4400" b="1" dirty="0">
+                <a:solidFill>
+                  <a:schemeClr val="accent1">
+                    <a:lumMod val="75000"/>
+                  </a:schemeClr>
+                </a:solidFill>
+              </a:rPr>
               <a:t>JavaScript can be extremely hard to learn</a:t>
             </a:r>
           </a:p>
@@ -5827,8 +5948,8 @@
         </p:nvSpPr>
         <p:spPr>
           <a:xfrm>
-            <a:off x="835741" y="1494503"/>
-            <a:ext cx="8629863" cy="1938992"/>
+            <a:off x="887112" y="1274539"/>
+            <a:ext cx="8629863" cy="2308324"/>
           </a:xfrm>
           <a:prstGeom prst="rect">
             <a:avLst/>
@@ -5847,7 +5968,15 @@
             </a:pPr>
             <a:r>
               <a:rPr lang="en-US" sz="2400" dirty="0"/>
-              <a:t>JavaScript ES6 can be used to create elegant simple solutions</a:t>
+              <a:t>JavaScript ES6 </a:t>
+            </a:r>
+            <a:r>
+              <a:rPr lang="en-US" sz="2400" i="1" dirty="0"/>
+              <a:t>can be used </a:t>
+            </a:r>
+            <a:r>
+              <a:rPr lang="en-US" sz="2400" dirty="0"/>
+              <a:t>to create elegant simple solutions</a:t>
             </a:r>
           </a:p>
           <a:p>
@@ -5857,7 +5986,15 @@
             </a:pPr>
             <a:r>
               <a:rPr lang="en-US" sz="2400" dirty="0"/>
-              <a:t>JavaScript ES6 can be used to create a giant mess</a:t>
+              <a:t>JavaScript ES6 </a:t>
+            </a:r>
+            <a:r>
+              <a:rPr lang="en-US" sz="2400" i="1" dirty="0"/>
+              <a:t>can be used </a:t>
+            </a:r>
+            <a:r>
+              <a:rPr lang="en-US" sz="2400" dirty="0"/>
+              <a:t>to create a giant mess</a:t>
             </a:r>
           </a:p>
           <a:p>
@@ -5868,6 +6005,16 @@
             <a:r>
               <a:rPr lang="en-US" sz="2400" dirty="0"/>
               <a:t>JavaScript enables more career opportunities: Frontend/Backend</a:t>
+            </a:r>
+          </a:p>
+          <a:p>
+            <a:pPr marL="342900" indent="-342900">
+              <a:buFont typeface="Arial" panose="020B0604020202020204" pitchFamily="34" charset="0"/>
+              <a:buChar char="•"/>
+            </a:pPr>
+            <a:r>
+              <a:rPr lang="en-US" sz="2400" dirty="0"/>
+              <a:t>Integrates nicely into AWS</a:t>
             </a:r>
           </a:p>
           <a:p>
@@ -5925,7 +6072,7 @@
         </p:blipFill>
         <p:spPr bwMode="auto">
           <a:xfrm>
-            <a:off x="3358435" y="3429000"/>
+            <a:off x="3327613" y="3656813"/>
             <a:ext cx="4665682" cy="2916052"/>
           </a:xfrm>
           <a:prstGeom prst="rect">
@@ -6441,16 +6588,10 @@
           <a:lstStyle/>
           <a:p>
             <a:r>
-              <a:rPr lang="en-US" sz="2000" dirty="0" err="1">
-                <a:latin typeface="Consolas" panose="020B0609020204030204" pitchFamily="49" charset="0"/>
-              </a:rPr>
-              <a:t>getElementById</a:t>
-            </a:r>
-            <a:r>
               <a:rPr lang="en-US" sz="2000" dirty="0">
                 <a:latin typeface="Consolas" panose="020B0609020204030204" pitchFamily="49" charset="0"/>
               </a:rPr>
-              <a:t>()</a:t>
+              <a:t>getElementById()</a:t>
             </a:r>
           </a:p>
         </p:txBody>
@@ -7183,7 +7324,7 @@
             <a:pPr algn="ctr"/>
             <a:r>
               <a:rPr lang="en-US" dirty="0"/>
-              <a:t>React Components</a:t>
+              <a:t>React/Angular Components</a:t>
             </a:r>
           </a:p>
         </p:txBody>
@@ -7903,22 +8044,13 @@
           <a:lstStyle/>
           <a:p>
             <a:r>
-              <a:rPr lang="en-US" sz="2000" dirty="0" err="1">
-                <a:solidFill>
-                  <a:srgbClr val="FF0000"/>
-                </a:solidFill>
-                <a:latin typeface="Consolas" panose="020B0609020204030204" pitchFamily="49" charset="0"/>
-              </a:rPr>
-              <a:t>getElementById</a:t>
-            </a:r>
-            <a:r>
               <a:rPr lang="en-US" sz="2000" dirty="0">
                 <a:solidFill>
                   <a:srgbClr val="FF0000"/>
                 </a:solidFill>
                 <a:latin typeface="Consolas" panose="020B0609020204030204" pitchFamily="49" charset="0"/>
               </a:rPr>
-              <a:t>()</a:t>
+              <a:t>getElementById()</a:t>
             </a:r>
           </a:p>
         </p:txBody>
@@ -7967,7 +8099,7 @@
             <a:pPr algn="ctr"/>
             <a:r>
               <a:rPr lang="en-US" dirty="0"/>
-              <a:t>React Components</a:t>
+              <a:t>React/Angular Components</a:t>
             </a:r>
           </a:p>
         </p:txBody>
